--- a/Cours/IFDC_0.pptx
+++ b/Cours/IFDC_0.pptx
@@ -216,7 +216,7 @@
           <a:p>
             <a:fld id="{4D4C40A0-6BBE-4DBE-B061-D31F9ACB94AF}" type="datetimeFigureOut">
               <a:rPr lang="fr-FR" smtClean="0"/>
-              <a:t>28/06/2021</a:t>
+              <a:t>29/06/2021</a:t>
             </a:fld>
             <a:endParaRPr lang="fr-FR"/>
           </a:p>
@@ -739,7 +739,7 @@
           <a:p>
             <a:fld id="{BE1F1DDC-4961-4DFF-8961-DF0A67287833}" type="datetimeFigureOut">
               <a:rPr lang="fr-FR" smtClean="0"/>
-              <a:t>28/06/2021</a:t>
+              <a:t>29/06/2021</a:t>
             </a:fld>
             <a:endParaRPr lang="fr-FR"/>
           </a:p>
@@ -937,7 +937,7 @@
           <a:p>
             <a:fld id="{BE1F1DDC-4961-4DFF-8961-DF0A67287833}" type="datetimeFigureOut">
               <a:rPr lang="fr-FR" smtClean="0"/>
-              <a:t>28/06/2021</a:t>
+              <a:t>29/06/2021</a:t>
             </a:fld>
             <a:endParaRPr lang="fr-FR"/>
           </a:p>
@@ -1145,7 +1145,7 @@
           <a:p>
             <a:fld id="{BE1F1DDC-4961-4DFF-8961-DF0A67287833}" type="datetimeFigureOut">
               <a:rPr lang="fr-FR" smtClean="0"/>
-              <a:t>28/06/2021</a:t>
+              <a:t>29/06/2021</a:t>
             </a:fld>
             <a:endParaRPr lang="fr-FR"/>
           </a:p>
@@ -1343,7 +1343,7 @@
           <a:p>
             <a:fld id="{BE1F1DDC-4961-4DFF-8961-DF0A67287833}" type="datetimeFigureOut">
               <a:rPr lang="fr-FR" smtClean="0"/>
-              <a:t>28/06/2021</a:t>
+              <a:t>29/06/2021</a:t>
             </a:fld>
             <a:endParaRPr lang="fr-FR"/>
           </a:p>
@@ -1618,7 +1618,7 @@
           <a:p>
             <a:fld id="{BE1F1DDC-4961-4DFF-8961-DF0A67287833}" type="datetimeFigureOut">
               <a:rPr lang="fr-FR" smtClean="0"/>
-              <a:t>28/06/2021</a:t>
+              <a:t>29/06/2021</a:t>
             </a:fld>
             <a:endParaRPr lang="fr-FR"/>
           </a:p>
@@ -1883,7 +1883,7 @@
           <a:p>
             <a:fld id="{BE1F1DDC-4961-4DFF-8961-DF0A67287833}" type="datetimeFigureOut">
               <a:rPr lang="fr-FR" smtClean="0"/>
-              <a:t>28/06/2021</a:t>
+              <a:t>29/06/2021</a:t>
             </a:fld>
             <a:endParaRPr lang="fr-FR"/>
           </a:p>
@@ -2295,7 +2295,7 @@
           <a:p>
             <a:fld id="{BE1F1DDC-4961-4DFF-8961-DF0A67287833}" type="datetimeFigureOut">
               <a:rPr lang="fr-FR" smtClean="0"/>
-              <a:t>28/06/2021</a:t>
+              <a:t>29/06/2021</a:t>
             </a:fld>
             <a:endParaRPr lang="fr-FR"/>
           </a:p>
@@ -2436,7 +2436,7 @@
           <a:p>
             <a:fld id="{BE1F1DDC-4961-4DFF-8961-DF0A67287833}" type="datetimeFigureOut">
               <a:rPr lang="fr-FR" smtClean="0"/>
-              <a:t>28/06/2021</a:t>
+              <a:t>29/06/2021</a:t>
             </a:fld>
             <a:endParaRPr lang="fr-FR"/>
           </a:p>
@@ -2549,7 +2549,7 @@
           <a:p>
             <a:fld id="{BE1F1DDC-4961-4DFF-8961-DF0A67287833}" type="datetimeFigureOut">
               <a:rPr lang="fr-FR" smtClean="0"/>
-              <a:t>28/06/2021</a:t>
+              <a:t>29/06/2021</a:t>
             </a:fld>
             <a:endParaRPr lang="fr-FR"/>
           </a:p>
@@ -2860,7 +2860,7 @@
           <a:p>
             <a:fld id="{BE1F1DDC-4961-4DFF-8961-DF0A67287833}" type="datetimeFigureOut">
               <a:rPr lang="fr-FR" smtClean="0"/>
-              <a:t>28/06/2021</a:t>
+              <a:t>29/06/2021</a:t>
             </a:fld>
             <a:endParaRPr lang="fr-FR"/>
           </a:p>
@@ -3148,7 +3148,7 @@
           <a:p>
             <a:fld id="{BE1F1DDC-4961-4DFF-8961-DF0A67287833}" type="datetimeFigureOut">
               <a:rPr lang="fr-FR" smtClean="0"/>
-              <a:t>28/06/2021</a:t>
+              <a:t>29/06/2021</a:t>
             </a:fld>
             <a:endParaRPr lang="fr-FR"/>
           </a:p>
@@ -3417,7 +3417,7 @@
           <a:p>
             <a:fld id="{BE1F1DDC-4961-4DFF-8961-DF0A67287833}" type="datetimeFigureOut">
               <a:rPr lang="fr-FR" smtClean="0"/>
-              <a:t>28/06/2021</a:t>
+              <a:t>29/06/2021</a:t>
             </a:fld>
             <a:endParaRPr lang="fr-FR"/>
           </a:p>
@@ -3836,54 +3836,6 @@
       </p:grpSpPr>
       <p:sp>
         <p:nvSpPr>
-          <p:cNvPr id="33" name="ZoneTexte 32">
-            <a:extLst>
-              <a:ext uri="{FF2B5EF4-FFF2-40B4-BE49-F238E27FC236}">
-                <a16:creationId xmlns:a16="http://schemas.microsoft.com/office/drawing/2014/main" id="{BF3F6460-F4B3-41EB-8BE0-256DBA6A3284}"/>
-              </a:ext>
-            </a:extLst>
-          </p:cNvPr>
-          <p:cNvSpPr txBox="1"/>
-          <p:nvPr/>
-        </p:nvSpPr>
-        <p:spPr>
-          <a:xfrm>
-            <a:off x="298637" y="923835"/>
-            <a:ext cx="3799840" cy="646331"/>
-          </a:xfrm>
-          <a:prstGeom prst="rect">
-            <a:avLst/>
-          </a:prstGeom>
-          <a:noFill/>
-        </p:spPr>
-        <p:txBody>
-          <a:bodyPr wrap="square" rtlCol="0">
-            <a:spAutoFit/>
-          </a:bodyPr>
-          <a:lstStyle/>
-          <a:p>
-            <a:pPr algn="ctr"/>
-            <a:r>
-              <a:rPr lang="fr-FR" sz="1200" dirty="0"/>
-              <a:t>MINISTERE DE L’ECONOMIE DES FINANCES ET DU PLAN</a:t>
-            </a:r>
-          </a:p>
-          <a:p>
-            <a:pPr algn="ctr"/>
-            <a:r>
-              <a:rPr lang="fr-FR" sz="1200" dirty="0"/>
-              <a:t>Agence Nationale de la Statistique et de la Démographie</a:t>
-            </a:r>
-            <a:endParaRPr lang="fr-SN" sz="1200" dirty="0"/>
-          </a:p>
-          <a:p>
-            <a:pPr algn="ctr"/>
-            <a:endParaRPr lang="fr-SN" sz="1200" dirty="0"/>
-          </a:p>
-        </p:txBody>
-      </p:sp>
-      <p:sp>
-        <p:nvSpPr>
           <p:cNvPr id="34" name="ZoneTexte 33">
             <a:extLst>
               <a:ext uri="{FF2B5EF4-FFF2-40B4-BE49-F238E27FC236}">
@@ -3950,7 +3902,7 @@
         <p:spPr>
           <a:xfrm>
             <a:off x="5039360" y="5966460"/>
-            <a:ext cx="2413000" cy="276999"/>
+            <a:ext cx="2413000" cy="400110"/>
           </a:xfrm>
           <a:prstGeom prst="rect">
             <a:avLst/>
@@ -3965,13 +3917,13 @@
           <a:p>
             <a:pPr algn="ctr"/>
             <a:r>
-              <a:rPr lang="fr-SN" sz="1200" b="1" dirty="0" smtClean="0">
+              <a:rPr lang="fr-SN" sz="2000" b="1" dirty="0" smtClean="0">
                 <a:latin typeface="Times New Roman" panose="02020603050405020304" pitchFamily="18" charset="0"/>
                 <a:cs typeface="Times New Roman" panose="02020603050405020304" pitchFamily="18" charset="0"/>
               </a:rPr>
               <a:t>Juin 2021</a:t>
             </a:r>
-            <a:endParaRPr lang="fr-SN" sz="1200" b="1" dirty="0">
+            <a:endParaRPr lang="fr-SN" sz="2000" b="1" dirty="0">
               <a:latin typeface="Times New Roman" panose="02020603050405020304" pitchFamily="18" charset="0"/>
               <a:cs typeface="Times New Roman" panose="02020603050405020304" pitchFamily="18" charset="0"/>
             </a:endParaRPr>
@@ -4090,7 +4042,7 @@
         <p:spPr>
           <a:xfrm>
             <a:off x="1390208" y="3482547"/>
-            <a:ext cx="9286240" cy="523220"/>
+            <a:ext cx="9286240" cy="769441"/>
           </a:xfrm>
           <a:prstGeom prst="rect">
             <a:avLst/>
@@ -4105,7 +4057,11 @@
             <a:pPr algn="just"/>
             <a:r>
               <a:rPr lang="fr-FR" sz="2800" b="1" dirty="0" smtClean="0"/>
-              <a:t>                         Prise en main du logiciel R</a:t>
+              <a:t>                         </a:t>
+            </a:r>
+            <a:r>
+              <a:rPr lang="fr-FR" sz="4400" b="1" dirty="0" smtClean="0"/>
+              <a:t>Prise en main du logiciel R</a:t>
             </a:r>
             <a:endParaRPr lang="fr-SN" sz="4400" dirty="0"/>
           </a:p>
@@ -4113,10 +4069,10 @@
       </p:sp>
       <p:pic>
         <p:nvPicPr>
-          <p:cNvPr id="44" name="Image 43">
-            <a:extLst>
-              <a:ext uri="{FF2B5EF4-FFF2-40B4-BE49-F238E27FC236}">
-                <a16:creationId xmlns:a16="http://schemas.microsoft.com/office/drawing/2014/main" id="{F7ECBB35-2830-48C4-9702-16511CE5E1FF}"/>
+          <p:cNvPr id="53" name="Picture 5">
+            <a:extLst>
+              <a:ext uri="{FF2B5EF4-FFF2-40B4-BE49-F238E27FC236}">
+                <a16:creationId xmlns:a16="http://schemas.microsoft.com/office/drawing/2014/main" id="{BFC88C85-5606-4CEA-9CF4-3DEC205393B8}"/>
               </a:ext>
             </a:extLst>
           </p:cNvPr>
@@ -4137,8 +4093,8 @@
         </p:blipFill>
         <p:spPr>
           <a:xfrm>
-            <a:off x="1358778" y="1431067"/>
-            <a:ext cx="1472491" cy="917189"/>
+            <a:off x="5296907" y="163449"/>
+            <a:ext cx="822132" cy="774091"/>
           </a:xfrm>
           <a:prstGeom prst="rect">
             <a:avLst/>
@@ -4147,114 +4103,6 @@
       </p:pic>
       <p:sp>
         <p:nvSpPr>
-          <p:cNvPr id="48" name="ZoneTexte 47">
-            <a:extLst>
-              <a:ext uri="{FF2B5EF4-FFF2-40B4-BE49-F238E27FC236}">
-                <a16:creationId xmlns:a16="http://schemas.microsoft.com/office/drawing/2014/main" id="{2F3BED0D-8D54-4F84-B481-A6A5EC76E55E}"/>
-              </a:ext>
-            </a:extLst>
-          </p:cNvPr>
-          <p:cNvSpPr txBox="1"/>
-          <p:nvPr/>
-        </p:nvSpPr>
-        <p:spPr>
-          <a:xfrm>
-            <a:off x="8103951" y="1010117"/>
-            <a:ext cx="4659259" cy="461665"/>
-          </a:xfrm>
-          <a:prstGeom prst="rect">
-            <a:avLst/>
-          </a:prstGeom>
-          <a:noFill/>
-        </p:spPr>
-        <p:txBody>
-          <a:bodyPr wrap="square" rtlCol="0">
-            <a:spAutoFit/>
-          </a:bodyPr>
-          <a:lstStyle/>
-          <a:p>
-            <a:pPr algn="ctr"/>
-            <a:r>
-              <a:rPr lang="fr-FR" sz="1200" dirty="0"/>
-              <a:t>Centre de Coopération Internationale en Recherche</a:t>
-            </a:r>
-          </a:p>
-          <a:p>
-            <a:pPr algn="ctr"/>
-            <a:r>
-              <a:rPr lang="fr-FR" sz="1200" dirty="0"/>
-              <a:t>Agronomique pour le Développement</a:t>
-            </a:r>
-            <a:endParaRPr lang="fr-SN" sz="1200" dirty="0"/>
-          </a:p>
-        </p:txBody>
-      </p:sp>
-      <p:pic>
-        <p:nvPicPr>
-          <p:cNvPr id="50" name="Image 49">
-            <a:extLst>
-              <a:ext uri="{FF2B5EF4-FFF2-40B4-BE49-F238E27FC236}">
-                <a16:creationId xmlns:a16="http://schemas.microsoft.com/office/drawing/2014/main" id="{B1E324DB-9FB7-411C-9022-0DFED3BA89D4}"/>
-              </a:ext>
-            </a:extLst>
-          </p:cNvPr>
-          <p:cNvPicPr>
-            <a:picLocks noChangeAspect="1"/>
-          </p:cNvPicPr>
-          <p:nvPr/>
-        </p:nvPicPr>
-        <p:blipFill>
-          <a:blip r:embed="rId4"/>
-          <a:stretch>
-            <a:fillRect/>
-          </a:stretch>
-        </p:blipFill>
-        <p:spPr>
-          <a:xfrm>
-            <a:off x="9848333" y="1456096"/>
-            <a:ext cx="1305488" cy="705656"/>
-          </a:xfrm>
-          <a:prstGeom prst="rect">
-            <a:avLst/>
-          </a:prstGeom>
-        </p:spPr>
-      </p:pic>
-      <p:pic>
-        <p:nvPicPr>
-          <p:cNvPr id="53" name="Picture 5">
-            <a:extLst>
-              <a:ext uri="{FF2B5EF4-FFF2-40B4-BE49-F238E27FC236}">
-                <a16:creationId xmlns:a16="http://schemas.microsoft.com/office/drawing/2014/main" id="{BFC88C85-5606-4CEA-9CF4-3DEC205393B8}"/>
-              </a:ext>
-            </a:extLst>
-          </p:cNvPr>
-          <p:cNvPicPr/>
-          <p:nvPr/>
-        </p:nvPicPr>
-        <p:blipFill>
-          <a:blip r:embed="rId5" cstate="print">
-            <a:extLst>
-              <a:ext uri="{28A0092B-C50C-407E-A947-70E740481C1C}">
-                <a14:useLocalDpi xmlns:a14="http://schemas.microsoft.com/office/drawing/2010/main" val="0"/>
-              </a:ext>
-            </a:extLst>
-          </a:blip>
-          <a:stretch>
-            <a:fillRect/>
-          </a:stretch>
-        </p:blipFill>
-        <p:spPr>
-          <a:xfrm>
-            <a:off x="6080177" y="99006"/>
-            <a:ext cx="822132" cy="774091"/>
-          </a:xfrm>
-          <a:prstGeom prst="rect">
-            <a:avLst/>
-          </a:prstGeom>
-        </p:spPr>
-      </p:pic>
-      <p:sp>
-        <p:nvSpPr>
           <p:cNvPr id="54" name="Rectangle 53">
             <a:extLst>
               <a:ext uri="{FF2B5EF4-FFF2-40B4-BE49-F238E27FC236}">
@@ -4267,7 +4115,7 @@
         </p:nvSpPr>
         <p:spPr>
           <a:xfrm>
-            <a:off x="4868645" y="873464"/>
+            <a:off x="4227481" y="1187421"/>
             <a:ext cx="3224879" cy="493981"/>
           </a:xfrm>
           <a:prstGeom prst="rect">
@@ -4289,14 +4137,14 @@
               </a:spcAft>
             </a:pPr>
             <a:r>
-              <a:rPr lang="fr-FR" sz="1400" dirty="0">
+              <a:rPr lang="fr-FR" sz="1400" b="1" dirty="0">
                 <a:latin typeface="Times New Roman" panose="02020603050405020304" pitchFamily="18" charset="0"/>
                 <a:ea typeface="Times New Roman" panose="02020603050405020304" pitchFamily="18" charset="0"/>
                 <a:cs typeface="Times New Roman" panose="02020603050405020304" pitchFamily="18" charset="0"/>
               </a:rPr>
               <a:t>République du Sénégal</a:t>
             </a:r>
-            <a:endParaRPr lang="fr-FR" sz="1050" dirty="0">
+            <a:endParaRPr lang="fr-FR" sz="1050" b="1" dirty="0">
               <a:latin typeface="Calibri" panose="020F0502020204030204" pitchFamily="34" charset="0"/>
               <a:ea typeface="Times New Roman" panose="02020603050405020304" pitchFamily="18" charset="0"/>
               <a:cs typeface="Times New Roman" panose="02020603050405020304" pitchFamily="18" charset="0"/>
@@ -4309,14 +4157,14 @@
               </a:spcAft>
             </a:pPr>
             <a:r>
-              <a:rPr lang="fr-FR" sz="900" i="1" dirty="0">
+              <a:rPr lang="fr-FR" sz="900" b="1" i="1" dirty="0">
                 <a:latin typeface="Times New Roman" panose="02020603050405020304" pitchFamily="18" charset="0"/>
                 <a:ea typeface="Times New Roman" panose="02020603050405020304" pitchFamily="18" charset="0"/>
                 <a:cs typeface="Times New Roman" panose="02020603050405020304" pitchFamily="18" charset="0"/>
               </a:rPr>
               <a:t>Un peuple-Un but-Une foi</a:t>
             </a:r>
-            <a:endParaRPr lang="fr-FR" sz="1050" dirty="0">
+            <a:endParaRPr lang="fr-FR" sz="1050" b="1" dirty="0">
               <a:effectLst/>
               <a:latin typeface="Calibri" panose="020F0502020204030204" pitchFamily="34" charset="0"/>
               <a:ea typeface="Times New Roman" panose="02020603050405020304" pitchFamily="18" charset="0"/>
@@ -4733,7 +4581,7 @@
         <p:spPr>
           <a:xfrm>
             <a:off x="530344" y="1357276"/>
-            <a:ext cx="11489591" cy="430887"/>
+            <a:ext cx="11489591" cy="707886"/>
           </a:xfrm>
           <a:prstGeom prst="rect">
             <a:avLst/>
@@ -4751,10 +4599,10 @@
               <a:buAutoNum type="romanUcPeriod"/>
             </a:pPr>
             <a:r>
-              <a:rPr lang="fr-FR" sz="2200" dirty="0" smtClean="0"/>
+              <a:rPr lang="fr-FR" sz="4000" b="1" dirty="0" smtClean="0"/>
               <a:t>Les fondamentaux d’Excel</a:t>
             </a:r>
-            <a:endParaRPr lang="fr-FR" sz="2200" dirty="0"/>
+            <a:endParaRPr lang="fr-FR" sz="4000" b="1" dirty="0"/>
           </a:p>
         </p:txBody>
       </p:sp>
@@ -4816,7 +4664,7 @@
         <p:spPr>
           <a:xfrm>
             <a:off x="530344" y="4049250"/>
-            <a:ext cx="10725665" cy="461665"/>
+            <a:ext cx="10725665" cy="707886"/>
           </a:xfrm>
           <a:prstGeom prst="rect">
             <a:avLst/>
@@ -4832,9 +4680,13 @@
             <a:pPr algn="just"/>
             <a:r>
               <a:rPr lang="fr-FR" sz="2400" dirty="0" smtClean="0"/>
-              <a:t>II.     Formules et fonctions</a:t>
-            </a:r>
-            <a:endParaRPr lang="fr-FR" sz="2400" dirty="0"/>
+              <a:t>II.     </a:t>
+            </a:r>
+            <a:r>
+              <a:rPr lang="fr-FR" sz="4000" b="1" dirty="0" smtClean="0"/>
+              <a:t>Formules et fonctions</a:t>
+            </a:r>
+            <a:endParaRPr lang="fr-FR" sz="4000" b="1" dirty="0"/>
           </a:p>
         </p:txBody>
       </p:sp>
@@ -4972,10 +4824,10 @@
               <a:buAutoNum type="arabicParenR"/>
             </a:pPr>
             <a:r>
-              <a:rPr lang="fr-FR" sz="2200" dirty="0" smtClean="0"/>
+              <a:rPr lang="fr-FR" sz="2200" b="1" dirty="0" smtClean="0"/>
               <a:t>Présentation du logiciel</a:t>
             </a:r>
-            <a:endParaRPr lang="fr-FR" sz="2200" dirty="0"/>
+            <a:endParaRPr lang="fr-FR" sz="2200" b="1" dirty="0"/>
           </a:p>
         </p:txBody>
       </p:sp>
@@ -4993,7 +4845,7 @@
         </p:nvSpPr>
         <p:spPr>
           <a:xfrm>
-            <a:off x="1056122" y="2590471"/>
+            <a:off x="1056118" y="2470853"/>
             <a:ext cx="11489591" cy="430887"/>
           </a:xfrm>
           <a:prstGeom prst="rect">
@@ -5010,9 +4862,13 @@
             <a:pPr algn="just"/>
             <a:r>
               <a:rPr lang="fr-FR" sz="2200" dirty="0" smtClean="0"/>
-              <a:t>2)     Saisie des données simples et mise en forme simple</a:t>
-            </a:r>
-            <a:endParaRPr lang="fr-FR" sz="2200" dirty="0"/>
+              <a:t>2)     </a:t>
+            </a:r>
+            <a:r>
+              <a:rPr lang="fr-FR" sz="2200" b="1" dirty="0" smtClean="0"/>
+              <a:t>Saisie des données simples et mise en forme simple</a:t>
+            </a:r>
+            <a:endParaRPr lang="fr-FR" sz="2200" b="1" dirty="0"/>
           </a:p>
         </p:txBody>
       </p:sp>
@@ -5030,7 +4886,7 @@
         </p:nvSpPr>
         <p:spPr>
           <a:xfrm>
-            <a:off x="1056121" y="3104416"/>
+            <a:off x="1056118" y="3122980"/>
             <a:ext cx="11489591" cy="430887"/>
           </a:xfrm>
           <a:prstGeom prst="rect">
@@ -5047,9 +4903,13 @@
             <a:pPr algn="just"/>
             <a:r>
               <a:rPr lang="fr-FR" sz="2200" dirty="0" smtClean="0"/>
-              <a:t>3)     Options avancées sur la saisie de données</a:t>
-            </a:r>
-            <a:endParaRPr lang="fr-FR" sz="2200" dirty="0"/>
+              <a:t>3)     </a:t>
+            </a:r>
+            <a:r>
+              <a:rPr lang="fr-FR" sz="2200" b="1" dirty="0" smtClean="0"/>
+              <a:t>Options avancées sur la saisie de données</a:t>
+            </a:r>
+            <a:endParaRPr lang="fr-FR" sz="2200" b="1" dirty="0"/>
           </a:p>
         </p:txBody>
       </p:sp>
@@ -5088,9 +4948,13 @@
             </a:r>
             <a:r>
               <a:rPr lang="fr-FR" sz="2200" dirty="0" smtClean="0"/>
-              <a:t>)     Structure des formules</a:t>
-            </a:r>
-            <a:endParaRPr lang="fr-FR" sz="2200" dirty="0"/>
+              <a:t>)     </a:t>
+            </a:r>
+            <a:r>
+              <a:rPr lang="fr-FR" sz="2200" b="1" dirty="0" smtClean="0"/>
+              <a:t>Structure des formules</a:t>
+            </a:r>
+            <a:endParaRPr lang="fr-FR" sz="2200" b="1" dirty="0"/>
           </a:p>
         </p:txBody>
       </p:sp>
@@ -5125,9 +4989,13 @@
             <a:pPr algn="just"/>
             <a:r>
               <a:rPr lang="fr-FR" sz="2200" dirty="0" smtClean="0"/>
-              <a:t>2)     Fonctions statistiques</a:t>
-            </a:r>
-            <a:endParaRPr lang="fr-FR" sz="2200" dirty="0"/>
+              <a:t>2)     </a:t>
+            </a:r>
+            <a:r>
+              <a:rPr lang="fr-FR" sz="2200" b="1" dirty="0" smtClean="0"/>
+              <a:t>Fonctions statistiques</a:t>
+            </a:r>
+            <a:endParaRPr lang="fr-FR" sz="2200" b="1" dirty="0"/>
           </a:p>
         </p:txBody>
       </p:sp>
@@ -5220,7 +5088,7 @@
                                           </p:stCondLst>
                                         </p:cTn>
                                         <p:tgtEl>
-                                          <p:spTgt spid="2"/>
+                                          <p:spTgt spid="9"/>
                                         </p:tgtEl>
                                         <p:attrNameLst>
                                           <p:attrName>style.visibility</p:attrName>
@@ -5265,7 +5133,7 @@
                                           </p:stCondLst>
                                         </p:cTn>
                                         <p:tgtEl>
-                                          <p:spTgt spid="9"/>
+                                          <p:spTgt spid="12"/>
                                         </p:tgtEl>
                                         <p:attrNameLst>
                                           <p:attrName>style.visibility</p:attrName>
@@ -5310,7 +5178,7 @@
                                           </p:stCondLst>
                                         </p:cTn>
                                         <p:tgtEl>
-                                          <p:spTgt spid="12"/>
+                                          <p:spTgt spid="13"/>
                                         </p:tgtEl>
                                         <p:attrNameLst>
                                           <p:attrName>style.visibility</p:attrName>
@@ -5355,7 +5223,7 @@
                                           </p:stCondLst>
                                         </p:cTn>
                                         <p:tgtEl>
-                                          <p:spTgt spid="13"/>
+                                          <p:spTgt spid="2"/>
                                         </p:tgtEl>
                                         <p:attrNameLst>
                                           <p:attrName>style.visibility</p:attrName>
@@ -5802,10 +5670,10 @@
           <a:p>
             <a:pPr algn="just"/>
             <a:r>
-              <a:rPr lang="fr-FR" sz="2200" dirty="0" smtClean="0"/>
+              <a:rPr lang="fr-FR" sz="2200" b="1" dirty="0" smtClean="0"/>
               <a:t>3)     Fonctions logiques</a:t>
             </a:r>
-            <a:endParaRPr lang="fr-FR" sz="2200" dirty="0"/>
+            <a:endParaRPr lang="fr-FR" sz="2200" b="1" dirty="0"/>
           </a:p>
         </p:txBody>
       </p:sp>
@@ -5839,10 +5707,10 @@
           <a:p>
             <a:pPr algn="just"/>
             <a:r>
-              <a:rPr lang="fr-FR" sz="2200" dirty="0" smtClean="0"/>
+              <a:rPr lang="fr-FR" sz="2200" b="1" dirty="0" smtClean="0"/>
               <a:t>4)     Fonctions de Recherche</a:t>
             </a:r>
-            <a:endParaRPr lang="fr-FR" sz="2200" dirty="0"/>
+            <a:endParaRPr lang="fr-FR" sz="2200" b="1" dirty="0"/>
           </a:p>
         </p:txBody>
       </p:sp>
@@ -5876,10 +5744,10 @@
           <a:p>
             <a:pPr algn="just"/>
             <a:r>
-              <a:rPr lang="fr-FR" sz="2200" dirty="0" smtClean="0"/>
+              <a:rPr lang="fr-FR" sz="2200" b="1" dirty="0" smtClean="0"/>
               <a:t>5)     Fonctions Texte</a:t>
             </a:r>
-            <a:endParaRPr lang="fr-FR" sz="2200" dirty="0"/>
+            <a:endParaRPr lang="fr-FR" sz="2200" b="1" dirty="0"/>
           </a:p>
         </p:txBody>
       </p:sp>
@@ -5913,10 +5781,10 @@
           <a:p>
             <a:pPr algn="just"/>
             <a:r>
-              <a:rPr lang="fr-FR" sz="2200" dirty="0" smtClean="0"/>
+              <a:rPr lang="fr-FR" sz="2200" b="1" dirty="0" smtClean="0"/>
               <a:t>6)     Fonctions Date et Heure</a:t>
             </a:r>
-            <a:endParaRPr lang="fr-FR" sz="2200" dirty="0"/>
+            <a:endParaRPr lang="fr-FR" sz="2200" b="1" dirty="0"/>
           </a:p>
         </p:txBody>
       </p:sp>
@@ -6383,7 +6251,7 @@
         <p:spPr>
           <a:xfrm>
             <a:off x="702409" y="1562778"/>
-            <a:ext cx="11489591" cy="430887"/>
+            <a:ext cx="11489591" cy="707886"/>
           </a:xfrm>
           <a:prstGeom prst="rect">
             <a:avLst/>
@@ -6399,9 +6267,13 @@
             <a:pPr algn="just"/>
             <a:r>
               <a:rPr lang="fr-FR" sz="2200" dirty="0" smtClean="0"/>
-              <a:t>III -     Ayez une vue globale sur votre classeur</a:t>
-            </a:r>
-            <a:endParaRPr lang="fr-FR" sz="2200" dirty="0"/>
+              <a:t>III </a:t>
+            </a:r>
+            <a:r>
+              <a:rPr lang="fr-FR" sz="4000" b="1" dirty="0" smtClean="0"/>
+              <a:t>-     Ayez une vue globale sur votre classeur</a:t>
+            </a:r>
+            <a:endParaRPr lang="fr-FR" sz="4000" b="1" dirty="0"/>
           </a:p>
         </p:txBody>
       </p:sp>
@@ -6435,14 +6307,14 @@
           <a:p>
             <a:pPr algn="just"/>
             <a:r>
-              <a:rPr lang="fr-FR" sz="2200" dirty="0"/>
+              <a:rPr lang="fr-FR" sz="2200" b="1" dirty="0"/>
               <a:t>1</a:t>
             </a:r>
             <a:r>
-              <a:rPr lang="fr-FR" sz="2200" dirty="0" smtClean="0"/>
+              <a:rPr lang="fr-FR" sz="2200" b="1" dirty="0" smtClean="0"/>
               <a:t>)     Tris des données</a:t>
             </a:r>
-            <a:endParaRPr lang="fr-FR" sz="2200" dirty="0"/>
+            <a:endParaRPr lang="fr-FR" sz="2200" b="1" dirty="0"/>
           </a:p>
         </p:txBody>
       </p:sp>
@@ -6476,14 +6348,14 @@
           <a:p>
             <a:pPr algn="just"/>
             <a:r>
-              <a:rPr lang="fr-FR" sz="2200" dirty="0"/>
+              <a:rPr lang="fr-FR" sz="2200" b="1" dirty="0"/>
               <a:t>2</a:t>
             </a:r>
             <a:r>
-              <a:rPr lang="fr-FR" sz="2200" dirty="0" smtClean="0"/>
+              <a:rPr lang="fr-FR" sz="2200" b="1" dirty="0" smtClean="0"/>
               <a:t>)     Créer un tableau</a:t>
             </a:r>
-            <a:endParaRPr lang="fr-FR" sz="2200" dirty="0"/>
+            <a:endParaRPr lang="fr-FR" sz="2200" b="1" dirty="0"/>
           </a:p>
         </p:txBody>
       </p:sp>
@@ -6517,14 +6389,14 @@
           <a:p>
             <a:pPr algn="just"/>
             <a:r>
-              <a:rPr lang="fr-FR" sz="2200" dirty="0"/>
+              <a:rPr lang="fr-FR" sz="2200" b="1" dirty="0"/>
               <a:t>3</a:t>
             </a:r>
             <a:r>
-              <a:rPr lang="fr-FR" sz="2200" dirty="0" smtClean="0"/>
+              <a:rPr lang="fr-FR" sz="2200" b="1" dirty="0" smtClean="0"/>
               <a:t>)     Mise en forme conditionnelle</a:t>
             </a:r>
-            <a:endParaRPr lang="fr-FR" sz="2200" dirty="0"/>
+            <a:endParaRPr lang="fr-FR" sz="2200" b="1" dirty="0"/>
           </a:p>
         </p:txBody>
       </p:sp>
@@ -6558,10 +6430,10 @@
           <a:p>
             <a:pPr algn="just"/>
             <a:r>
-              <a:rPr lang="fr-FR" sz="2200" dirty="0" smtClean="0"/>
+              <a:rPr lang="fr-FR" sz="2200" b="1" dirty="0" smtClean="0"/>
               <a:t>4)     Mise en page     </a:t>
             </a:r>
-            <a:endParaRPr lang="fr-FR" sz="2200" dirty="0"/>
+            <a:endParaRPr lang="fr-FR" sz="2200" b="1" dirty="0"/>
           </a:p>
         </p:txBody>
       </p:sp>
@@ -6595,10 +6467,10 @@
           <a:p>
             <a:pPr algn="just"/>
             <a:r>
-              <a:rPr lang="fr-FR" sz="2200" dirty="0" smtClean="0"/>
+              <a:rPr lang="fr-FR" sz="2200" b="1" dirty="0" smtClean="0"/>
               <a:t>5)     Figer des lignes ou des colonnes</a:t>
             </a:r>
-            <a:endParaRPr lang="fr-FR" sz="2200" dirty="0"/>
+            <a:endParaRPr lang="fr-FR" sz="2200" b="1" dirty="0"/>
           </a:p>
         </p:txBody>
       </p:sp>
@@ -6632,10 +6504,10 @@
           <a:p>
             <a:pPr algn="just"/>
             <a:r>
-              <a:rPr lang="fr-FR" sz="2200" dirty="0" smtClean="0"/>
+              <a:rPr lang="fr-FR" sz="2200" b="1" dirty="0" smtClean="0"/>
               <a:t>6)     Rechercher et supprimer des doublons</a:t>
             </a:r>
-            <a:endParaRPr lang="fr-FR" sz="2200" dirty="0"/>
+            <a:endParaRPr lang="fr-FR" sz="2200" b="1" dirty="0"/>
           </a:p>
         </p:txBody>
       </p:sp>
@@ -7295,7 +7167,7 @@
         <p:spPr>
           <a:xfrm>
             <a:off x="702409" y="1562778"/>
-            <a:ext cx="11489591" cy="430887"/>
+            <a:ext cx="11489591" cy="707886"/>
           </a:xfrm>
           <a:prstGeom prst="rect">
             <a:avLst/>
@@ -7311,9 +7183,13 @@
             <a:pPr algn="just"/>
             <a:r>
               <a:rPr lang="fr-FR" sz="2200" dirty="0" smtClean="0"/>
-              <a:t>IV -     Découvrir les graphiques</a:t>
-            </a:r>
-            <a:endParaRPr lang="fr-FR" sz="2200" dirty="0"/>
+              <a:t>IV </a:t>
+            </a:r>
+            <a:r>
+              <a:rPr lang="fr-FR" sz="4000" b="1" dirty="0" smtClean="0"/>
+              <a:t>-     Découvrir les graphiques</a:t>
+            </a:r>
+            <a:endParaRPr lang="fr-FR" sz="4000" b="1" dirty="0"/>
           </a:p>
         </p:txBody>
       </p:sp>
@@ -7347,14 +7223,14 @@
           <a:p>
             <a:pPr algn="just"/>
             <a:r>
-              <a:rPr lang="fr-FR" sz="2200" dirty="0"/>
+              <a:rPr lang="fr-FR" sz="2200" b="1" dirty="0"/>
               <a:t>1</a:t>
             </a:r>
             <a:r>
-              <a:rPr lang="fr-FR" sz="2200" dirty="0" smtClean="0"/>
+              <a:rPr lang="fr-FR" sz="2200" b="1" dirty="0" smtClean="0"/>
               <a:t>)     Créer un graphique de base</a:t>
             </a:r>
-            <a:endParaRPr lang="fr-FR" sz="2200" dirty="0"/>
+            <a:endParaRPr lang="fr-FR" sz="2200" b="1" dirty="0"/>
           </a:p>
         </p:txBody>
       </p:sp>
@@ -7388,14 +7264,14 @@
           <a:p>
             <a:pPr algn="just"/>
             <a:r>
-              <a:rPr lang="fr-FR" sz="2200" dirty="0"/>
+              <a:rPr lang="fr-FR" sz="2200" b="1" dirty="0"/>
               <a:t>2</a:t>
             </a:r>
             <a:r>
-              <a:rPr lang="fr-FR" sz="2200" dirty="0" smtClean="0"/>
+              <a:rPr lang="fr-FR" sz="2200" b="1" dirty="0" smtClean="0"/>
               <a:t>)     Modifier la disposition ou le style d’un graphique</a:t>
             </a:r>
-            <a:endParaRPr lang="fr-FR" sz="2200" dirty="0"/>
+            <a:endParaRPr lang="fr-FR" sz="2200" b="1" dirty="0"/>
           </a:p>
         </p:txBody>
       </p:sp>
@@ -7429,14 +7305,14 @@
           <a:p>
             <a:pPr algn="just"/>
             <a:r>
-              <a:rPr lang="fr-FR" sz="2200" dirty="0"/>
+              <a:rPr lang="fr-FR" sz="2200" b="1" dirty="0"/>
               <a:t>3</a:t>
             </a:r>
             <a:r>
-              <a:rPr lang="fr-FR" sz="2200" dirty="0" smtClean="0"/>
+              <a:rPr lang="fr-FR" sz="2200" b="1" dirty="0" smtClean="0"/>
               <a:t>)     Ajouter ou supprimer des titres ou des étiquettes de données</a:t>
             </a:r>
-            <a:endParaRPr lang="fr-FR" sz="2200" dirty="0"/>
+            <a:endParaRPr lang="fr-FR" sz="2200" b="1" dirty="0"/>
           </a:p>
         </p:txBody>
       </p:sp>
@@ -7470,10 +7346,10 @@
           <a:p>
             <a:pPr algn="just"/>
             <a:r>
-              <a:rPr lang="fr-FR" sz="2200" dirty="0" smtClean="0"/>
+              <a:rPr lang="fr-FR" sz="2200" b="1" dirty="0" smtClean="0"/>
               <a:t>4)     Afficher ou masquer une légende</a:t>
             </a:r>
-            <a:endParaRPr lang="fr-FR" sz="2200" dirty="0"/>
+            <a:endParaRPr lang="fr-FR" sz="2200" b="1" dirty="0"/>
           </a:p>
         </p:txBody>
       </p:sp>
@@ -7507,10 +7383,10 @@
           <a:p>
             <a:pPr algn="just"/>
             <a:r>
-              <a:rPr lang="fr-FR" sz="2200" dirty="0" smtClean="0"/>
+              <a:rPr lang="fr-FR" sz="2200" b="1" dirty="0" smtClean="0"/>
               <a:t>5)     Afficher ou masquer les axes ou le quadrillage des graphiques</a:t>
             </a:r>
-            <a:endParaRPr lang="fr-FR" sz="2200" dirty="0"/>
+            <a:endParaRPr lang="fr-FR" sz="2200" b="1" dirty="0"/>
           </a:p>
         </p:txBody>
       </p:sp>
@@ -7544,10 +7420,10 @@
           <a:p>
             <a:pPr algn="just"/>
             <a:r>
-              <a:rPr lang="fr-FR" sz="2200" dirty="0" smtClean="0"/>
+              <a:rPr lang="fr-FR" sz="2200" b="1" dirty="0" smtClean="0"/>
               <a:t>6)     Enregistrer un graphique en tant que modèle</a:t>
             </a:r>
-            <a:endParaRPr lang="fr-FR" sz="2200" dirty="0"/>
+            <a:endParaRPr lang="fr-FR" sz="2200" b="1" dirty="0"/>
           </a:p>
         </p:txBody>
       </p:sp>
@@ -8222,14 +8098,14 @@
           <a:p>
             <a:pPr algn="just"/>
             <a:r>
-              <a:rPr lang="fr-FR" sz="2200" dirty="0"/>
+              <a:rPr lang="fr-FR" sz="2200" b="1" dirty="0"/>
               <a:t>V</a:t>
             </a:r>
             <a:r>
-              <a:rPr lang="fr-FR" sz="2200" dirty="0" smtClean="0"/>
+              <a:rPr lang="fr-FR" sz="2200" b="1" dirty="0" smtClean="0"/>
               <a:t> -     Tableaux Croisés Dynamiques (TCD)</a:t>
             </a:r>
-            <a:endParaRPr lang="fr-FR" sz="2200" dirty="0"/>
+            <a:endParaRPr lang="fr-FR" sz="2200" b="1" dirty="0"/>
           </a:p>
         </p:txBody>
       </p:sp>
@@ -8263,10 +8139,10 @@
           <a:p>
             <a:pPr algn="just"/>
             <a:r>
-              <a:rPr lang="fr-FR" sz="2200" dirty="0" smtClean="0"/>
+              <a:rPr lang="fr-FR" sz="2200" b="1" dirty="0" smtClean="0"/>
               <a:t>VI -     Graphiques Croisés Dynamiques </a:t>
             </a:r>
-            <a:endParaRPr lang="fr-FR" sz="2200" dirty="0"/>
+            <a:endParaRPr lang="fr-FR" sz="2200" b="1" dirty="0"/>
           </a:p>
         </p:txBody>
       </p:sp>
@@ -8284,7 +8160,7 @@
         </p:nvSpPr>
         <p:spPr>
           <a:xfrm>
-            <a:off x="793024" y="3901014"/>
+            <a:off x="702407" y="3761572"/>
             <a:ext cx="11489591" cy="430887"/>
           </a:xfrm>
           <a:prstGeom prst="rect">
@@ -8300,10 +8176,55 @@
           <a:p>
             <a:pPr algn="just"/>
             <a:r>
-              <a:rPr lang="fr-FR" sz="2200" dirty="0" smtClean="0"/>
+              <a:rPr lang="fr-FR" sz="2200" b="1" dirty="0" smtClean="0"/>
               <a:t>VII -     Tableaux de bord</a:t>
             </a:r>
-            <a:endParaRPr lang="fr-FR" sz="2200" dirty="0"/>
+            <a:endParaRPr lang="fr-FR" sz="2200" b="1" dirty="0"/>
+          </a:p>
+        </p:txBody>
+      </p:sp>
+      <p:sp>
+        <p:nvSpPr>
+          <p:cNvPr id="12" name="ZoneTexte 11">
+            <a:extLst>
+              <a:ext uri="{FF2B5EF4-FFF2-40B4-BE49-F238E27FC236}">
+                <a16:creationId xmlns:a16="http://schemas.microsoft.com/office/drawing/2014/main" id="{4E6C70CE-FB70-42B3-B1D7-F39655043020}"/>
+              </a:ext>
+            </a:extLst>
+          </p:cNvPr>
+          <p:cNvSpPr txBox="1"/>
+          <p:nvPr/>
+        </p:nvSpPr>
+        <p:spPr>
+          <a:xfrm>
+            <a:off x="793023" y="5087716"/>
+            <a:ext cx="11489591" cy="430887"/>
+          </a:xfrm>
+          <a:prstGeom prst="rect">
+            <a:avLst/>
+          </a:prstGeom>
+          <a:noFill/>
+        </p:spPr>
+        <p:txBody>
+          <a:bodyPr wrap="square" rtlCol="0">
+            <a:spAutoFit/>
+          </a:bodyPr>
+          <a:lstStyle/>
+          <a:p>
+            <a:pPr algn="just"/>
+            <a:r>
+              <a:rPr lang="fr-FR" sz="2200" b="1" dirty="0" smtClean="0"/>
+              <a:t>VIII </a:t>
+            </a:r>
+            <a:r>
+              <a:rPr lang="fr-FR" sz="2200" b="1" dirty="0" smtClean="0"/>
+              <a:t>-     </a:t>
+            </a:r>
+            <a:r>
+              <a:rPr lang="fr-FR" sz="2200" b="1" dirty="0" smtClean="0"/>
+              <a:t>Macros et Visual Basic</a:t>
+            </a:r>
+            <a:endParaRPr lang="fr-FR" sz="2200" b="1" dirty="0"/>
           </a:p>
         </p:txBody>
       </p:sp>
@@ -8460,6 +8381,51 @@
                       </p:childTnLst>
                     </p:cTn>
                   </p:par>
+                  <p:par>
+                    <p:cTn id="15" fill="hold">
+                      <p:stCondLst>
+                        <p:cond delay="indefinite"/>
+                      </p:stCondLst>
+                      <p:childTnLst>
+                        <p:par>
+                          <p:cTn id="16" fill="hold">
+                            <p:stCondLst>
+                              <p:cond delay="0"/>
+                            </p:stCondLst>
+                            <p:childTnLst>
+                              <p:par>
+                                <p:cTn id="17" presetID="1" presetClass="entr" presetSubtype="0" fill="hold" grpId="0" nodeType="clickEffect">
+                                  <p:stCondLst>
+                                    <p:cond delay="0"/>
+                                  </p:stCondLst>
+                                  <p:childTnLst>
+                                    <p:set>
+                                      <p:cBhvr>
+                                        <p:cTn id="18" dur="1" fill="hold">
+                                          <p:stCondLst>
+                                            <p:cond delay="0"/>
+                                          </p:stCondLst>
+                                        </p:cTn>
+                                        <p:tgtEl>
+                                          <p:spTgt spid="12"/>
+                                        </p:tgtEl>
+                                        <p:attrNameLst>
+                                          <p:attrName>style.visibility</p:attrName>
+                                        </p:attrNameLst>
+                                      </p:cBhvr>
+                                      <p:to>
+                                        <p:strVal val="visible"/>
+                                      </p:to>
+                                    </p:set>
+                                  </p:childTnLst>
+                                </p:cTn>
+                              </p:par>
+                            </p:childTnLst>
+                          </p:cTn>
+                        </p:par>
+                      </p:childTnLst>
+                    </p:cTn>
+                  </p:par>
                 </p:childTnLst>
               </p:cTn>
               <p:prevCondLst>
@@ -8485,6 +8451,7 @@
       <p:bldP spid="7" grpId="0"/>
       <p:bldP spid="17" grpId="0"/>
       <p:bldP spid="18" grpId="0"/>
+      <p:bldP spid="12" grpId="0"/>
     </p:bldLst>
   </p:timing>
 </p:sld>

--- a/Cours/IFDC_0.pptx
+++ b/Cours/IFDC_0.pptx
@@ -216,7 +216,7 @@
           <a:p>
             <a:fld id="{4D4C40A0-6BBE-4DBE-B061-D31F9ACB94AF}" type="datetimeFigureOut">
               <a:rPr lang="fr-FR" smtClean="0"/>
-              <a:t>28/06/2021</a:t>
+              <a:t>29/06/2021</a:t>
             </a:fld>
             <a:endParaRPr lang="fr-FR"/>
           </a:p>
@@ -614,7 +614,7 @@
           <p:cNvPr id="2" name="Titre 1">
             <a:extLst>
               <a:ext uri="{FF2B5EF4-FFF2-40B4-BE49-F238E27FC236}">
-                <a16:creationId xmlns:a16="http://schemas.microsoft.com/office/drawing/2014/main" id="{3EFE8610-05C6-4B1C-A474-4A00F6C91541}"/>
+                <a16:creationId xmlns:a16="http://schemas.microsoft.com/office/drawing/2014/main" xmlns="" id="{3EFE8610-05C6-4B1C-A474-4A00F6C91541}"/>
               </a:ext>
             </a:extLst>
           </p:cNvPr>
@@ -651,7 +651,7 @@
           <p:cNvPr id="3" name="Sous-titre 2">
             <a:extLst>
               <a:ext uri="{FF2B5EF4-FFF2-40B4-BE49-F238E27FC236}">
-                <a16:creationId xmlns:a16="http://schemas.microsoft.com/office/drawing/2014/main" id="{296FA379-69C0-4F1F-8A86-25323C0C5330}"/>
+                <a16:creationId xmlns:a16="http://schemas.microsoft.com/office/drawing/2014/main" xmlns="" id="{296FA379-69C0-4F1F-8A86-25323C0C5330}"/>
               </a:ext>
             </a:extLst>
           </p:cNvPr>
@@ -721,7 +721,7 @@
           <p:cNvPr id="4" name="Espace réservé de la date 3">
             <a:extLst>
               <a:ext uri="{FF2B5EF4-FFF2-40B4-BE49-F238E27FC236}">
-                <a16:creationId xmlns:a16="http://schemas.microsoft.com/office/drawing/2014/main" id="{0FAB1558-7041-4A92-8053-1E79E28A25B8}"/>
+                <a16:creationId xmlns:a16="http://schemas.microsoft.com/office/drawing/2014/main" xmlns="" id="{0FAB1558-7041-4A92-8053-1E79E28A25B8}"/>
               </a:ext>
             </a:extLst>
           </p:cNvPr>
@@ -739,7 +739,7 @@
           <a:p>
             <a:fld id="{BE1F1DDC-4961-4DFF-8961-DF0A67287833}" type="datetimeFigureOut">
               <a:rPr lang="fr-FR" smtClean="0"/>
-              <a:t>28/06/2021</a:t>
+              <a:t>29/06/2021</a:t>
             </a:fld>
             <a:endParaRPr lang="fr-FR"/>
           </a:p>
@@ -750,7 +750,7 @@
           <p:cNvPr id="5" name="Espace réservé du pied de page 4">
             <a:extLst>
               <a:ext uri="{FF2B5EF4-FFF2-40B4-BE49-F238E27FC236}">
-                <a16:creationId xmlns:a16="http://schemas.microsoft.com/office/drawing/2014/main" id="{29456908-1739-4D14-8FD1-E08E68A26450}"/>
+                <a16:creationId xmlns:a16="http://schemas.microsoft.com/office/drawing/2014/main" xmlns="" id="{29456908-1739-4D14-8FD1-E08E68A26450}"/>
               </a:ext>
             </a:extLst>
           </p:cNvPr>
@@ -775,7 +775,7 @@
           <p:cNvPr id="6" name="Espace réservé du numéro de diapositive 5">
             <a:extLst>
               <a:ext uri="{FF2B5EF4-FFF2-40B4-BE49-F238E27FC236}">
-                <a16:creationId xmlns:a16="http://schemas.microsoft.com/office/drawing/2014/main" id="{8D01784C-7404-4287-9541-EA4CD3354602}"/>
+                <a16:creationId xmlns:a16="http://schemas.microsoft.com/office/drawing/2014/main" xmlns="" id="{8D01784C-7404-4287-9541-EA4CD3354602}"/>
               </a:ext>
             </a:extLst>
           </p:cNvPr>
@@ -834,7 +834,7 @@
           <p:cNvPr id="2" name="Titre 1">
             <a:extLst>
               <a:ext uri="{FF2B5EF4-FFF2-40B4-BE49-F238E27FC236}">
-                <a16:creationId xmlns:a16="http://schemas.microsoft.com/office/drawing/2014/main" id="{CB918DE7-0078-44A1-8E10-51C165051D7E}"/>
+                <a16:creationId xmlns:a16="http://schemas.microsoft.com/office/drawing/2014/main" xmlns="" id="{CB918DE7-0078-44A1-8E10-51C165051D7E}"/>
               </a:ext>
             </a:extLst>
           </p:cNvPr>
@@ -862,7 +862,7 @@
           <p:cNvPr id="3" name="Espace réservé du texte vertical 2">
             <a:extLst>
               <a:ext uri="{FF2B5EF4-FFF2-40B4-BE49-F238E27FC236}">
-                <a16:creationId xmlns:a16="http://schemas.microsoft.com/office/drawing/2014/main" id="{AEFD9C04-D8B6-4C49-96CF-F390BB3E5328}"/>
+                <a16:creationId xmlns:a16="http://schemas.microsoft.com/office/drawing/2014/main" xmlns="" id="{AEFD9C04-D8B6-4C49-96CF-F390BB3E5328}"/>
               </a:ext>
             </a:extLst>
           </p:cNvPr>
@@ -919,7 +919,7 @@
           <p:cNvPr id="4" name="Espace réservé de la date 3">
             <a:extLst>
               <a:ext uri="{FF2B5EF4-FFF2-40B4-BE49-F238E27FC236}">
-                <a16:creationId xmlns:a16="http://schemas.microsoft.com/office/drawing/2014/main" id="{AF830E82-2EA3-4E02-AD6C-62465EC00978}"/>
+                <a16:creationId xmlns:a16="http://schemas.microsoft.com/office/drawing/2014/main" xmlns="" id="{AF830E82-2EA3-4E02-AD6C-62465EC00978}"/>
               </a:ext>
             </a:extLst>
           </p:cNvPr>
@@ -937,7 +937,7 @@
           <a:p>
             <a:fld id="{BE1F1DDC-4961-4DFF-8961-DF0A67287833}" type="datetimeFigureOut">
               <a:rPr lang="fr-FR" smtClean="0"/>
-              <a:t>28/06/2021</a:t>
+              <a:t>29/06/2021</a:t>
             </a:fld>
             <a:endParaRPr lang="fr-FR"/>
           </a:p>
@@ -948,7 +948,7 @@
           <p:cNvPr id="5" name="Espace réservé du pied de page 4">
             <a:extLst>
               <a:ext uri="{FF2B5EF4-FFF2-40B4-BE49-F238E27FC236}">
-                <a16:creationId xmlns:a16="http://schemas.microsoft.com/office/drawing/2014/main" id="{44A28EEA-B191-4A67-BD73-606A74F0DAA0}"/>
+                <a16:creationId xmlns:a16="http://schemas.microsoft.com/office/drawing/2014/main" xmlns="" id="{44A28EEA-B191-4A67-BD73-606A74F0DAA0}"/>
               </a:ext>
             </a:extLst>
           </p:cNvPr>
@@ -973,7 +973,7 @@
           <p:cNvPr id="6" name="Espace réservé du numéro de diapositive 5">
             <a:extLst>
               <a:ext uri="{FF2B5EF4-FFF2-40B4-BE49-F238E27FC236}">
-                <a16:creationId xmlns:a16="http://schemas.microsoft.com/office/drawing/2014/main" id="{A09F1FDC-DD71-4D0B-B990-F73A80E44A6F}"/>
+                <a16:creationId xmlns:a16="http://schemas.microsoft.com/office/drawing/2014/main" xmlns="" id="{A09F1FDC-DD71-4D0B-B990-F73A80E44A6F}"/>
               </a:ext>
             </a:extLst>
           </p:cNvPr>
@@ -1032,7 +1032,7 @@
           <p:cNvPr id="2" name="Titre vertical 1">
             <a:extLst>
               <a:ext uri="{FF2B5EF4-FFF2-40B4-BE49-F238E27FC236}">
-                <a16:creationId xmlns:a16="http://schemas.microsoft.com/office/drawing/2014/main" id="{878576F3-9802-4550-9758-BD9BAE80B32B}"/>
+                <a16:creationId xmlns:a16="http://schemas.microsoft.com/office/drawing/2014/main" xmlns="" id="{878576F3-9802-4550-9758-BD9BAE80B32B}"/>
               </a:ext>
             </a:extLst>
           </p:cNvPr>
@@ -1065,7 +1065,7 @@
           <p:cNvPr id="3" name="Espace réservé du texte vertical 2">
             <a:extLst>
               <a:ext uri="{FF2B5EF4-FFF2-40B4-BE49-F238E27FC236}">
-                <a16:creationId xmlns:a16="http://schemas.microsoft.com/office/drawing/2014/main" id="{BFA427F9-66AE-4E72-A163-A56D7E72D475}"/>
+                <a16:creationId xmlns:a16="http://schemas.microsoft.com/office/drawing/2014/main" xmlns="" id="{BFA427F9-66AE-4E72-A163-A56D7E72D475}"/>
               </a:ext>
             </a:extLst>
           </p:cNvPr>
@@ -1127,7 +1127,7 @@
           <p:cNvPr id="4" name="Espace réservé de la date 3">
             <a:extLst>
               <a:ext uri="{FF2B5EF4-FFF2-40B4-BE49-F238E27FC236}">
-                <a16:creationId xmlns:a16="http://schemas.microsoft.com/office/drawing/2014/main" id="{AA8B78DE-01E7-4339-9108-751FAE5DB2C5}"/>
+                <a16:creationId xmlns:a16="http://schemas.microsoft.com/office/drawing/2014/main" xmlns="" id="{AA8B78DE-01E7-4339-9108-751FAE5DB2C5}"/>
               </a:ext>
             </a:extLst>
           </p:cNvPr>
@@ -1145,7 +1145,7 @@
           <a:p>
             <a:fld id="{BE1F1DDC-4961-4DFF-8961-DF0A67287833}" type="datetimeFigureOut">
               <a:rPr lang="fr-FR" smtClean="0"/>
-              <a:t>28/06/2021</a:t>
+              <a:t>29/06/2021</a:t>
             </a:fld>
             <a:endParaRPr lang="fr-FR"/>
           </a:p>
@@ -1156,7 +1156,7 @@
           <p:cNvPr id="5" name="Espace réservé du pied de page 4">
             <a:extLst>
               <a:ext uri="{FF2B5EF4-FFF2-40B4-BE49-F238E27FC236}">
-                <a16:creationId xmlns:a16="http://schemas.microsoft.com/office/drawing/2014/main" id="{E4EB79DF-D77A-44F4-9999-93838CC4363F}"/>
+                <a16:creationId xmlns:a16="http://schemas.microsoft.com/office/drawing/2014/main" xmlns="" id="{E4EB79DF-D77A-44F4-9999-93838CC4363F}"/>
               </a:ext>
             </a:extLst>
           </p:cNvPr>
@@ -1181,7 +1181,7 @@
           <p:cNvPr id="6" name="Espace réservé du numéro de diapositive 5">
             <a:extLst>
               <a:ext uri="{FF2B5EF4-FFF2-40B4-BE49-F238E27FC236}">
-                <a16:creationId xmlns:a16="http://schemas.microsoft.com/office/drawing/2014/main" id="{C2CB86C9-6884-4A03-AC38-C4C39B402C32}"/>
+                <a16:creationId xmlns:a16="http://schemas.microsoft.com/office/drawing/2014/main" xmlns="" id="{C2CB86C9-6884-4A03-AC38-C4C39B402C32}"/>
               </a:ext>
             </a:extLst>
           </p:cNvPr>
@@ -1240,7 +1240,7 @@
           <p:cNvPr id="2" name="Titre 1">
             <a:extLst>
               <a:ext uri="{FF2B5EF4-FFF2-40B4-BE49-F238E27FC236}">
-                <a16:creationId xmlns:a16="http://schemas.microsoft.com/office/drawing/2014/main" id="{33D4344E-148E-4476-A628-DF1274E1BB41}"/>
+                <a16:creationId xmlns:a16="http://schemas.microsoft.com/office/drawing/2014/main" xmlns="" id="{33D4344E-148E-4476-A628-DF1274E1BB41}"/>
               </a:ext>
             </a:extLst>
           </p:cNvPr>
@@ -1268,7 +1268,7 @@
           <p:cNvPr id="3" name="Espace réservé du contenu 2">
             <a:extLst>
               <a:ext uri="{FF2B5EF4-FFF2-40B4-BE49-F238E27FC236}">
-                <a16:creationId xmlns:a16="http://schemas.microsoft.com/office/drawing/2014/main" id="{A93234A1-43DC-440A-8E62-2EC60E619425}"/>
+                <a16:creationId xmlns:a16="http://schemas.microsoft.com/office/drawing/2014/main" xmlns="" id="{A93234A1-43DC-440A-8E62-2EC60E619425}"/>
               </a:ext>
             </a:extLst>
           </p:cNvPr>
@@ -1325,7 +1325,7 @@
           <p:cNvPr id="4" name="Espace réservé de la date 3">
             <a:extLst>
               <a:ext uri="{FF2B5EF4-FFF2-40B4-BE49-F238E27FC236}">
-                <a16:creationId xmlns:a16="http://schemas.microsoft.com/office/drawing/2014/main" id="{BF23760F-D724-43DF-AD30-BFCAE63B40DA}"/>
+                <a16:creationId xmlns:a16="http://schemas.microsoft.com/office/drawing/2014/main" xmlns="" id="{BF23760F-D724-43DF-AD30-BFCAE63B40DA}"/>
               </a:ext>
             </a:extLst>
           </p:cNvPr>
@@ -1343,7 +1343,7 @@
           <a:p>
             <a:fld id="{BE1F1DDC-4961-4DFF-8961-DF0A67287833}" type="datetimeFigureOut">
               <a:rPr lang="fr-FR" smtClean="0"/>
-              <a:t>28/06/2021</a:t>
+              <a:t>29/06/2021</a:t>
             </a:fld>
             <a:endParaRPr lang="fr-FR"/>
           </a:p>
@@ -1354,7 +1354,7 @@
           <p:cNvPr id="5" name="Espace réservé du pied de page 4">
             <a:extLst>
               <a:ext uri="{FF2B5EF4-FFF2-40B4-BE49-F238E27FC236}">
-                <a16:creationId xmlns:a16="http://schemas.microsoft.com/office/drawing/2014/main" id="{B05DD3BA-6B06-4693-9214-06A91FED1BCB}"/>
+                <a16:creationId xmlns:a16="http://schemas.microsoft.com/office/drawing/2014/main" xmlns="" id="{B05DD3BA-6B06-4693-9214-06A91FED1BCB}"/>
               </a:ext>
             </a:extLst>
           </p:cNvPr>
@@ -1379,7 +1379,7 @@
           <p:cNvPr id="6" name="Espace réservé du numéro de diapositive 5">
             <a:extLst>
               <a:ext uri="{FF2B5EF4-FFF2-40B4-BE49-F238E27FC236}">
-                <a16:creationId xmlns:a16="http://schemas.microsoft.com/office/drawing/2014/main" id="{1B92684C-033D-4FE6-8558-EEC3B54E82B7}"/>
+                <a16:creationId xmlns:a16="http://schemas.microsoft.com/office/drawing/2014/main" xmlns="" id="{1B92684C-033D-4FE6-8558-EEC3B54E82B7}"/>
               </a:ext>
             </a:extLst>
           </p:cNvPr>
@@ -1438,7 +1438,7 @@
           <p:cNvPr id="2" name="Titre 1">
             <a:extLst>
               <a:ext uri="{FF2B5EF4-FFF2-40B4-BE49-F238E27FC236}">
-                <a16:creationId xmlns:a16="http://schemas.microsoft.com/office/drawing/2014/main" id="{9E8FB98E-8850-494D-97C6-AD212A8657FF}"/>
+                <a16:creationId xmlns:a16="http://schemas.microsoft.com/office/drawing/2014/main" xmlns="" id="{9E8FB98E-8850-494D-97C6-AD212A8657FF}"/>
               </a:ext>
             </a:extLst>
           </p:cNvPr>
@@ -1475,7 +1475,7 @@
           <p:cNvPr id="3" name="Espace réservé du texte 2">
             <a:extLst>
               <a:ext uri="{FF2B5EF4-FFF2-40B4-BE49-F238E27FC236}">
-                <a16:creationId xmlns:a16="http://schemas.microsoft.com/office/drawing/2014/main" id="{2A1648FD-1039-4ED4-822A-A2BE28F51125}"/>
+                <a16:creationId xmlns:a16="http://schemas.microsoft.com/office/drawing/2014/main" xmlns="" id="{2A1648FD-1039-4ED4-822A-A2BE28F51125}"/>
               </a:ext>
             </a:extLst>
           </p:cNvPr>
@@ -1600,7 +1600,7 @@
           <p:cNvPr id="4" name="Espace réservé de la date 3">
             <a:extLst>
               <a:ext uri="{FF2B5EF4-FFF2-40B4-BE49-F238E27FC236}">
-                <a16:creationId xmlns:a16="http://schemas.microsoft.com/office/drawing/2014/main" id="{003ED4E9-7CDC-4F61-BAC3-3A7BF219F2A4}"/>
+                <a16:creationId xmlns:a16="http://schemas.microsoft.com/office/drawing/2014/main" xmlns="" id="{003ED4E9-7CDC-4F61-BAC3-3A7BF219F2A4}"/>
               </a:ext>
             </a:extLst>
           </p:cNvPr>
@@ -1618,7 +1618,7 @@
           <a:p>
             <a:fld id="{BE1F1DDC-4961-4DFF-8961-DF0A67287833}" type="datetimeFigureOut">
               <a:rPr lang="fr-FR" smtClean="0"/>
-              <a:t>28/06/2021</a:t>
+              <a:t>29/06/2021</a:t>
             </a:fld>
             <a:endParaRPr lang="fr-FR"/>
           </a:p>
@@ -1629,7 +1629,7 @@
           <p:cNvPr id="5" name="Espace réservé du pied de page 4">
             <a:extLst>
               <a:ext uri="{FF2B5EF4-FFF2-40B4-BE49-F238E27FC236}">
-                <a16:creationId xmlns:a16="http://schemas.microsoft.com/office/drawing/2014/main" id="{7BDB3EC6-09AA-40AE-910C-0B0F096F788D}"/>
+                <a16:creationId xmlns:a16="http://schemas.microsoft.com/office/drawing/2014/main" xmlns="" id="{7BDB3EC6-09AA-40AE-910C-0B0F096F788D}"/>
               </a:ext>
             </a:extLst>
           </p:cNvPr>
@@ -1654,7 +1654,7 @@
           <p:cNvPr id="6" name="Espace réservé du numéro de diapositive 5">
             <a:extLst>
               <a:ext uri="{FF2B5EF4-FFF2-40B4-BE49-F238E27FC236}">
-                <a16:creationId xmlns:a16="http://schemas.microsoft.com/office/drawing/2014/main" id="{B0EC02C7-45EA-4D05-B05C-4C2101CA7E12}"/>
+                <a16:creationId xmlns:a16="http://schemas.microsoft.com/office/drawing/2014/main" xmlns="" id="{B0EC02C7-45EA-4D05-B05C-4C2101CA7E12}"/>
               </a:ext>
             </a:extLst>
           </p:cNvPr>
@@ -1713,7 +1713,7 @@
           <p:cNvPr id="2" name="Titre 1">
             <a:extLst>
               <a:ext uri="{FF2B5EF4-FFF2-40B4-BE49-F238E27FC236}">
-                <a16:creationId xmlns:a16="http://schemas.microsoft.com/office/drawing/2014/main" id="{F8B88207-8DE6-47DA-92CF-4E24B5ADB7F4}"/>
+                <a16:creationId xmlns:a16="http://schemas.microsoft.com/office/drawing/2014/main" xmlns="" id="{F8B88207-8DE6-47DA-92CF-4E24B5ADB7F4}"/>
               </a:ext>
             </a:extLst>
           </p:cNvPr>
@@ -1741,7 +1741,7 @@
           <p:cNvPr id="3" name="Espace réservé du contenu 2">
             <a:extLst>
               <a:ext uri="{FF2B5EF4-FFF2-40B4-BE49-F238E27FC236}">
-                <a16:creationId xmlns:a16="http://schemas.microsoft.com/office/drawing/2014/main" id="{9F6A85CC-BE32-49DD-ABA6-A6A9780EDA0A}"/>
+                <a16:creationId xmlns:a16="http://schemas.microsoft.com/office/drawing/2014/main" xmlns="" id="{9F6A85CC-BE32-49DD-ABA6-A6A9780EDA0A}"/>
               </a:ext>
             </a:extLst>
           </p:cNvPr>
@@ -1803,7 +1803,7 @@
           <p:cNvPr id="4" name="Espace réservé du contenu 3">
             <a:extLst>
               <a:ext uri="{FF2B5EF4-FFF2-40B4-BE49-F238E27FC236}">
-                <a16:creationId xmlns:a16="http://schemas.microsoft.com/office/drawing/2014/main" id="{E21D8C3A-BA6D-4BDC-82A7-73DA8FC6C627}"/>
+                <a16:creationId xmlns:a16="http://schemas.microsoft.com/office/drawing/2014/main" xmlns="" id="{E21D8C3A-BA6D-4BDC-82A7-73DA8FC6C627}"/>
               </a:ext>
             </a:extLst>
           </p:cNvPr>
@@ -1865,7 +1865,7 @@
           <p:cNvPr id="5" name="Espace réservé de la date 4">
             <a:extLst>
               <a:ext uri="{FF2B5EF4-FFF2-40B4-BE49-F238E27FC236}">
-                <a16:creationId xmlns:a16="http://schemas.microsoft.com/office/drawing/2014/main" id="{7D43CD34-EE38-416B-B04B-6949995351D4}"/>
+                <a16:creationId xmlns:a16="http://schemas.microsoft.com/office/drawing/2014/main" xmlns="" id="{7D43CD34-EE38-416B-B04B-6949995351D4}"/>
               </a:ext>
             </a:extLst>
           </p:cNvPr>
@@ -1883,7 +1883,7 @@
           <a:p>
             <a:fld id="{BE1F1DDC-4961-4DFF-8961-DF0A67287833}" type="datetimeFigureOut">
               <a:rPr lang="fr-FR" smtClean="0"/>
-              <a:t>28/06/2021</a:t>
+              <a:t>29/06/2021</a:t>
             </a:fld>
             <a:endParaRPr lang="fr-FR"/>
           </a:p>
@@ -1894,7 +1894,7 @@
           <p:cNvPr id="6" name="Espace réservé du pied de page 5">
             <a:extLst>
               <a:ext uri="{FF2B5EF4-FFF2-40B4-BE49-F238E27FC236}">
-                <a16:creationId xmlns:a16="http://schemas.microsoft.com/office/drawing/2014/main" id="{995F130F-C81A-4823-B2FF-5F95011BB639}"/>
+                <a16:creationId xmlns:a16="http://schemas.microsoft.com/office/drawing/2014/main" xmlns="" id="{995F130F-C81A-4823-B2FF-5F95011BB639}"/>
               </a:ext>
             </a:extLst>
           </p:cNvPr>
@@ -1919,7 +1919,7 @@
           <p:cNvPr id="7" name="Espace réservé du numéro de diapositive 6">
             <a:extLst>
               <a:ext uri="{FF2B5EF4-FFF2-40B4-BE49-F238E27FC236}">
-                <a16:creationId xmlns:a16="http://schemas.microsoft.com/office/drawing/2014/main" id="{2F48F180-EF74-4A86-A165-0574090C0452}"/>
+                <a16:creationId xmlns:a16="http://schemas.microsoft.com/office/drawing/2014/main" xmlns="" id="{2F48F180-EF74-4A86-A165-0574090C0452}"/>
               </a:ext>
             </a:extLst>
           </p:cNvPr>
@@ -1978,7 +1978,7 @@
           <p:cNvPr id="2" name="Titre 1">
             <a:extLst>
               <a:ext uri="{FF2B5EF4-FFF2-40B4-BE49-F238E27FC236}">
-                <a16:creationId xmlns:a16="http://schemas.microsoft.com/office/drawing/2014/main" id="{CB5A1F2E-2081-4363-AA24-F655A7F269D7}"/>
+                <a16:creationId xmlns:a16="http://schemas.microsoft.com/office/drawing/2014/main" xmlns="" id="{CB5A1F2E-2081-4363-AA24-F655A7F269D7}"/>
               </a:ext>
             </a:extLst>
           </p:cNvPr>
@@ -2011,7 +2011,7 @@
           <p:cNvPr id="3" name="Espace réservé du texte 2">
             <a:extLst>
               <a:ext uri="{FF2B5EF4-FFF2-40B4-BE49-F238E27FC236}">
-                <a16:creationId xmlns:a16="http://schemas.microsoft.com/office/drawing/2014/main" id="{CA974437-9D1D-4C3A-98E3-A6BE2C9E6C88}"/>
+                <a16:creationId xmlns:a16="http://schemas.microsoft.com/office/drawing/2014/main" xmlns="" id="{CA974437-9D1D-4C3A-98E3-A6BE2C9E6C88}"/>
               </a:ext>
             </a:extLst>
           </p:cNvPr>
@@ -2082,7 +2082,7 @@
           <p:cNvPr id="4" name="Espace réservé du contenu 3">
             <a:extLst>
               <a:ext uri="{FF2B5EF4-FFF2-40B4-BE49-F238E27FC236}">
-                <a16:creationId xmlns:a16="http://schemas.microsoft.com/office/drawing/2014/main" id="{729C75AE-2249-46CB-9609-46E64126C325}"/>
+                <a16:creationId xmlns:a16="http://schemas.microsoft.com/office/drawing/2014/main" xmlns="" id="{729C75AE-2249-46CB-9609-46E64126C325}"/>
               </a:ext>
             </a:extLst>
           </p:cNvPr>
@@ -2144,7 +2144,7 @@
           <p:cNvPr id="5" name="Espace réservé du texte 4">
             <a:extLst>
               <a:ext uri="{FF2B5EF4-FFF2-40B4-BE49-F238E27FC236}">
-                <a16:creationId xmlns:a16="http://schemas.microsoft.com/office/drawing/2014/main" id="{B2ECD74A-763E-4391-A37C-4E3E07A745CA}"/>
+                <a16:creationId xmlns:a16="http://schemas.microsoft.com/office/drawing/2014/main" xmlns="" id="{B2ECD74A-763E-4391-A37C-4E3E07A745CA}"/>
               </a:ext>
             </a:extLst>
           </p:cNvPr>
@@ -2215,7 +2215,7 @@
           <p:cNvPr id="6" name="Espace réservé du contenu 5">
             <a:extLst>
               <a:ext uri="{FF2B5EF4-FFF2-40B4-BE49-F238E27FC236}">
-                <a16:creationId xmlns:a16="http://schemas.microsoft.com/office/drawing/2014/main" id="{859A38F8-0DC7-415D-9BA4-79899B99C734}"/>
+                <a16:creationId xmlns:a16="http://schemas.microsoft.com/office/drawing/2014/main" xmlns="" id="{859A38F8-0DC7-415D-9BA4-79899B99C734}"/>
               </a:ext>
             </a:extLst>
           </p:cNvPr>
@@ -2277,7 +2277,7 @@
           <p:cNvPr id="7" name="Espace réservé de la date 6">
             <a:extLst>
               <a:ext uri="{FF2B5EF4-FFF2-40B4-BE49-F238E27FC236}">
-                <a16:creationId xmlns:a16="http://schemas.microsoft.com/office/drawing/2014/main" id="{CEBAB84C-0C11-4521-9BC4-19D2FCF40BFB}"/>
+                <a16:creationId xmlns:a16="http://schemas.microsoft.com/office/drawing/2014/main" xmlns="" id="{CEBAB84C-0C11-4521-9BC4-19D2FCF40BFB}"/>
               </a:ext>
             </a:extLst>
           </p:cNvPr>
@@ -2295,7 +2295,7 @@
           <a:p>
             <a:fld id="{BE1F1DDC-4961-4DFF-8961-DF0A67287833}" type="datetimeFigureOut">
               <a:rPr lang="fr-FR" smtClean="0"/>
-              <a:t>28/06/2021</a:t>
+              <a:t>29/06/2021</a:t>
             </a:fld>
             <a:endParaRPr lang="fr-FR"/>
           </a:p>
@@ -2306,7 +2306,7 @@
           <p:cNvPr id="8" name="Espace réservé du pied de page 7">
             <a:extLst>
               <a:ext uri="{FF2B5EF4-FFF2-40B4-BE49-F238E27FC236}">
-                <a16:creationId xmlns:a16="http://schemas.microsoft.com/office/drawing/2014/main" id="{430FFBB5-17B6-40DD-9685-6D5569EB84D2}"/>
+                <a16:creationId xmlns:a16="http://schemas.microsoft.com/office/drawing/2014/main" xmlns="" id="{430FFBB5-17B6-40DD-9685-6D5569EB84D2}"/>
               </a:ext>
             </a:extLst>
           </p:cNvPr>
@@ -2331,7 +2331,7 @@
           <p:cNvPr id="9" name="Espace réservé du numéro de diapositive 8">
             <a:extLst>
               <a:ext uri="{FF2B5EF4-FFF2-40B4-BE49-F238E27FC236}">
-                <a16:creationId xmlns:a16="http://schemas.microsoft.com/office/drawing/2014/main" id="{49A7884C-EE3A-4D4F-A3E9-5C833225EBD3}"/>
+                <a16:creationId xmlns:a16="http://schemas.microsoft.com/office/drawing/2014/main" xmlns="" id="{49A7884C-EE3A-4D4F-A3E9-5C833225EBD3}"/>
               </a:ext>
             </a:extLst>
           </p:cNvPr>
@@ -2390,7 +2390,7 @@
           <p:cNvPr id="2" name="Titre 1">
             <a:extLst>
               <a:ext uri="{FF2B5EF4-FFF2-40B4-BE49-F238E27FC236}">
-                <a16:creationId xmlns:a16="http://schemas.microsoft.com/office/drawing/2014/main" id="{BB4B6331-AC8A-4B85-AE8B-B4B8DAFA9463}"/>
+                <a16:creationId xmlns:a16="http://schemas.microsoft.com/office/drawing/2014/main" xmlns="" id="{BB4B6331-AC8A-4B85-AE8B-B4B8DAFA9463}"/>
               </a:ext>
             </a:extLst>
           </p:cNvPr>
@@ -2418,7 +2418,7 @@
           <p:cNvPr id="3" name="Espace réservé de la date 2">
             <a:extLst>
               <a:ext uri="{FF2B5EF4-FFF2-40B4-BE49-F238E27FC236}">
-                <a16:creationId xmlns:a16="http://schemas.microsoft.com/office/drawing/2014/main" id="{9F2B61F0-8CF8-452B-8960-1427805F4611}"/>
+                <a16:creationId xmlns:a16="http://schemas.microsoft.com/office/drawing/2014/main" xmlns="" id="{9F2B61F0-8CF8-452B-8960-1427805F4611}"/>
               </a:ext>
             </a:extLst>
           </p:cNvPr>
@@ -2436,7 +2436,7 @@
           <a:p>
             <a:fld id="{BE1F1DDC-4961-4DFF-8961-DF0A67287833}" type="datetimeFigureOut">
               <a:rPr lang="fr-FR" smtClean="0"/>
-              <a:t>28/06/2021</a:t>
+              <a:t>29/06/2021</a:t>
             </a:fld>
             <a:endParaRPr lang="fr-FR"/>
           </a:p>
@@ -2447,7 +2447,7 @@
           <p:cNvPr id="4" name="Espace réservé du pied de page 3">
             <a:extLst>
               <a:ext uri="{FF2B5EF4-FFF2-40B4-BE49-F238E27FC236}">
-                <a16:creationId xmlns:a16="http://schemas.microsoft.com/office/drawing/2014/main" id="{2F8B5FCF-A6BE-4629-A583-7AABDFEAE85F}"/>
+                <a16:creationId xmlns:a16="http://schemas.microsoft.com/office/drawing/2014/main" xmlns="" id="{2F8B5FCF-A6BE-4629-A583-7AABDFEAE85F}"/>
               </a:ext>
             </a:extLst>
           </p:cNvPr>
@@ -2472,7 +2472,7 @@
           <p:cNvPr id="5" name="Espace réservé du numéro de diapositive 4">
             <a:extLst>
               <a:ext uri="{FF2B5EF4-FFF2-40B4-BE49-F238E27FC236}">
-                <a16:creationId xmlns:a16="http://schemas.microsoft.com/office/drawing/2014/main" id="{9541E4D2-C6F2-4C19-A15E-DE6B5BEEA3B0}"/>
+                <a16:creationId xmlns:a16="http://schemas.microsoft.com/office/drawing/2014/main" xmlns="" id="{9541E4D2-C6F2-4C19-A15E-DE6B5BEEA3B0}"/>
               </a:ext>
             </a:extLst>
           </p:cNvPr>
@@ -2531,7 +2531,7 @@
           <p:cNvPr id="2" name="Espace réservé de la date 1">
             <a:extLst>
               <a:ext uri="{FF2B5EF4-FFF2-40B4-BE49-F238E27FC236}">
-                <a16:creationId xmlns:a16="http://schemas.microsoft.com/office/drawing/2014/main" id="{2E9F8555-E479-4F3B-8B31-0AEE05287D9C}"/>
+                <a16:creationId xmlns:a16="http://schemas.microsoft.com/office/drawing/2014/main" xmlns="" id="{2E9F8555-E479-4F3B-8B31-0AEE05287D9C}"/>
               </a:ext>
             </a:extLst>
           </p:cNvPr>
@@ -2549,7 +2549,7 @@
           <a:p>
             <a:fld id="{BE1F1DDC-4961-4DFF-8961-DF0A67287833}" type="datetimeFigureOut">
               <a:rPr lang="fr-FR" smtClean="0"/>
-              <a:t>28/06/2021</a:t>
+              <a:t>29/06/2021</a:t>
             </a:fld>
             <a:endParaRPr lang="fr-FR"/>
           </a:p>
@@ -2560,7 +2560,7 @@
           <p:cNvPr id="3" name="Espace réservé du pied de page 2">
             <a:extLst>
               <a:ext uri="{FF2B5EF4-FFF2-40B4-BE49-F238E27FC236}">
-                <a16:creationId xmlns:a16="http://schemas.microsoft.com/office/drawing/2014/main" id="{11876C5E-CB7C-4DD3-98F7-7FF0D89785DE}"/>
+                <a16:creationId xmlns:a16="http://schemas.microsoft.com/office/drawing/2014/main" xmlns="" id="{11876C5E-CB7C-4DD3-98F7-7FF0D89785DE}"/>
               </a:ext>
             </a:extLst>
           </p:cNvPr>
@@ -2585,7 +2585,7 @@
           <p:cNvPr id="4" name="Espace réservé du numéro de diapositive 3">
             <a:extLst>
               <a:ext uri="{FF2B5EF4-FFF2-40B4-BE49-F238E27FC236}">
-                <a16:creationId xmlns:a16="http://schemas.microsoft.com/office/drawing/2014/main" id="{EF26899A-8438-4FA7-AAB8-F6AEF9D9B3F7}"/>
+                <a16:creationId xmlns:a16="http://schemas.microsoft.com/office/drawing/2014/main" xmlns="" id="{EF26899A-8438-4FA7-AAB8-F6AEF9D9B3F7}"/>
               </a:ext>
             </a:extLst>
           </p:cNvPr>
@@ -2644,7 +2644,7 @@
           <p:cNvPr id="2" name="Titre 1">
             <a:extLst>
               <a:ext uri="{FF2B5EF4-FFF2-40B4-BE49-F238E27FC236}">
-                <a16:creationId xmlns:a16="http://schemas.microsoft.com/office/drawing/2014/main" id="{12B2AB46-B48D-4962-83BC-ECECB14E7C58}"/>
+                <a16:creationId xmlns:a16="http://schemas.microsoft.com/office/drawing/2014/main" xmlns="" id="{12B2AB46-B48D-4962-83BC-ECECB14E7C58}"/>
               </a:ext>
             </a:extLst>
           </p:cNvPr>
@@ -2681,7 +2681,7 @@
           <p:cNvPr id="3" name="Espace réservé du contenu 2">
             <a:extLst>
               <a:ext uri="{FF2B5EF4-FFF2-40B4-BE49-F238E27FC236}">
-                <a16:creationId xmlns:a16="http://schemas.microsoft.com/office/drawing/2014/main" id="{4BC32A2D-1982-426E-ACD7-4EF99DDFF77D}"/>
+                <a16:creationId xmlns:a16="http://schemas.microsoft.com/office/drawing/2014/main" xmlns="" id="{4BC32A2D-1982-426E-ACD7-4EF99DDFF77D}"/>
               </a:ext>
             </a:extLst>
           </p:cNvPr>
@@ -2771,7 +2771,7 @@
           <p:cNvPr id="4" name="Espace réservé du texte 3">
             <a:extLst>
               <a:ext uri="{FF2B5EF4-FFF2-40B4-BE49-F238E27FC236}">
-                <a16:creationId xmlns:a16="http://schemas.microsoft.com/office/drawing/2014/main" id="{6353B2BF-2DE3-401E-B8B5-D7C223085973}"/>
+                <a16:creationId xmlns:a16="http://schemas.microsoft.com/office/drawing/2014/main" xmlns="" id="{6353B2BF-2DE3-401E-B8B5-D7C223085973}"/>
               </a:ext>
             </a:extLst>
           </p:cNvPr>
@@ -2842,7 +2842,7 @@
           <p:cNvPr id="5" name="Espace réservé de la date 4">
             <a:extLst>
               <a:ext uri="{FF2B5EF4-FFF2-40B4-BE49-F238E27FC236}">
-                <a16:creationId xmlns:a16="http://schemas.microsoft.com/office/drawing/2014/main" id="{1BCAC0F3-AC8F-4896-9C09-89781222A587}"/>
+                <a16:creationId xmlns:a16="http://schemas.microsoft.com/office/drawing/2014/main" xmlns="" id="{1BCAC0F3-AC8F-4896-9C09-89781222A587}"/>
               </a:ext>
             </a:extLst>
           </p:cNvPr>
@@ -2860,7 +2860,7 @@
           <a:p>
             <a:fld id="{BE1F1DDC-4961-4DFF-8961-DF0A67287833}" type="datetimeFigureOut">
               <a:rPr lang="fr-FR" smtClean="0"/>
-              <a:t>28/06/2021</a:t>
+              <a:t>29/06/2021</a:t>
             </a:fld>
             <a:endParaRPr lang="fr-FR"/>
           </a:p>
@@ -2871,7 +2871,7 @@
           <p:cNvPr id="6" name="Espace réservé du pied de page 5">
             <a:extLst>
               <a:ext uri="{FF2B5EF4-FFF2-40B4-BE49-F238E27FC236}">
-                <a16:creationId xmlns:a16="http://schemas.microsoft.com/office/drawing/2014/main" id="{02C884E3-815B-43D0-98CF-0D2255AFAB4D}"/>
+                <a16:creationId xmlns:a16="http://schemas.microsoft.com/office/drawing/2014/main" xmlns="" id="{02C884E3-815B-43D0-98CF-0D2255AFAB4D}"/>
               </a:ext>
             </a:extLst>
           </p:cNvPr>
@@ -2896,7 +2896,7 @@
           <p:cNvPr id="7" name="Espace réservé du numéro de diapositive 6">
             <a:extLst>
               <a:ext uri="{FF2B5EF4-FFF2-40B4-BE49-F238E27FC236}">
-                <a16:creationId xmlns:a16="http://schemas.microsoft.com/office/drawing/2014/main" id="{10D5E6AB-6FD9-42D3-856B-7193A786DC35}"/>
+                <a16:creationId xmlns:a16="http://schemas.microsoft.com/office/drawing/2014/main" xmlns="" id="{10D5E6AB-6FD9-42D3-856B-7193A786DC35}"/>
               </a:ext>
             </a:extLst>
           </p:cNvPr>
@@ -2955,7 +2955,7 @@
           <p:cNvPr id="2" name="Titre 1">
             <a:extLst>
               <a:ext uri="{FF2B5EF4-FFF2-40B4-BE49-F238E27FC236}">
-                <a16:creationId xmlns:a16="http://schemas.microsoft.com/office/drawing/2014/main" id="{B6A54D90-CC85-4051-A2CE-D1E1B241D4CF}"/>
+                <a16:creationId xmlns:a16="http://schemas.microsoft.com/office/drawing/2014/main" xmlns="" id="{B6A54D90-CC85-4051-A2CE-D1E1B241D4CF}"/>
               </a:ext>
             </a:extLst>
           </p:cNvPr>
@@ -2992,7 +2992,7 @@
           <p:cNvPr id="3" name="Espace réservé pour une image  2">
             <a:extLst>
               <a:ext uri="{FF2B5EF4-FFF2-40B4-BE49-F238E27FC236}">
-                <a16:creationId xmlns:a16="http://schemas.microsoft.com/office/drawing/2014/main" id="{554A95B9-8C9A-4C3A-A161-7F6B8467F3E1}"/>
+                <a16:creationId xmlns:a16="http://schemas.microsoft.com/office/drawing/2014/main" xmlns="" id="{554A95B9-8C9A-4C3A-A161-7F6B8467F3E1}"/>
               </a:ext>
             </a:extLst>
           </p:cNvPr>
@@ -3059,7 +3059,7 @@
           <p:cNvPr id="4" name="Espace réservé du texte 3">
             <a:extLst>
               <a:ext uri="{FF2B5EF4-FFF2-40B4-BE49-F238E27FC236}">
-                <a16:creationId xmlns:a16="http://schemas.microsoft.com/office/drawing/2014/main" id="{1DD0882E-FB17-4F63-9881-4EC683017517}"/>
+                <a16:creationId xmlns:a16="http://schemas.microsoft.com/office/drawing/2014/main" xmlns="" id="{1DD0882E-FB17-4F63-9881-4EC683017517}"/>
               </a:ext>
             </a:extLst>
           </p:cNvPr>
@@ -3130,7 +3130,7 @@
           <p:cNvPr id="5" name="Espace réservé de la date 4">
             <a:extLst>
               <a:ext uri="{FF2B5EF4-FFF2-40B4-BE49-F238E27FC236}">
-                <a16:creationId xmlns:a16="http://schemas.microsoft.com/office/drawing/2014/main" id="{C76E52DC-7624-4284-938D-5975AE0BD7F3}"/>
+                <a16:creationId xmlns:a16="http://schemas.microsoft.com/office/drawing/2014/main" xmlns="" id="{C76E52DC-7624-4284-938D-5975AE0BD7F3}"/>
               </a:ext>
             </a:extLst>
           </p:cNvPr>
@@ -3148,7 +3148,7 @@
           <a:p>
             <a:fld id="{BE1F1DDC-4961-4DFF-8961-DF0A67287833}" type="datetimeFigureOut">
               <a:rPr lang="fr-FR" smtClean="0"/>
-              <a:t>28/06/2021</a:t>
+              <a:t>29/06/2021</a:t>
             </a:fld>
             <a:endParaRPr lang="fr-FR"/>
           </a:p>
@@ -3159,7 +3159,7 @@
           <p:cNvPr id="6" name="Espace réservé du pied de page 5">
             <a:extLst>
               <a:ext uri="{FF2B5EF4-FFF2-40B4-BE49-F238E27FC236}">
-                <a16:creationId xmlns:a16="http://schemas.microsoft.com/office/drawing/2014/main" id="{048B806B-BF42-48CC-A6A3-A66FFC011507}"/>
+                <a16:creationId xmlns:a16="http://schemas.microsoft.com/office/drawing/2014/main" xmlns="" id="{048B806B-BF42-48CC-A6A3-A66FFC011507}"/>
               </a:ext>
             </a:extLst>
           </p:cNvPr>
@@ -3184,7 +3184,7 @@
           <p:cNvPr id="7" name="Espace réservé du numéro de diapositive 6">
             <a:extLst>
               <a:ext uri="{FF2B5EF4-FFF2-40B4-BE49-F238E27FC236}">
-                <a16:creationId xmlns:a16="http://schemas.microsoft.com/office/drawing/2014/main" id="{9C2AD07D-06BB-4E62-AB29-3507E22BF474}"/>
+                <a16:creationId xmlns:a16="http://schemas.microsoft.com/office/drawing/2014/main" xmlns="" id="{9C2AD07D-06BB-4E62-AB29-3507E22BF474}"/>
               </a:ext>
             </a:extLst>
           </p:cNvPr>
@@ -3276,7 +3276,7 @@
           <p:cNvPr id="2" name="Espace réservé du titre 1">
             <a:extLst>
               <a:ext uri="{FF2B5EF4-FFF2-40B4-BE49-F238E27FC236}">
-                <a16:creationId xmlns:a16="http://schemas.microsoft.com/office/drawing/2014/main" id="{EACA5B36-8914-4E53-9295-FD52F7B858A8}"/>
+                <a16:creationId xmlns:a16="http://schemas.microsoft.com/office/drawing/2014/main" xmlns="" id="{EACA5B36-8914-4E53-9295-FD52F7B858A8}"/>
               </a:ext>
             </a:extLst>
           </p:cNvPr>
@@ -3314,7 +3314,7 @@
           <p:cNvPr id="3" name="Espace réservé du texte 2">
             <a:extLst>
               <a:ext uri="{FF2B5EF4-FFF2-40B4-BE49-F238E27FC236}">
-                <a16:creationId xmlns:a16="http://schemas.microsoft.com/office/drawing/2014/main" id="{EFF05102-56DE-41B8-8DBC-3A12A6022CAB}"/>
+                <a16:creationId xmlns:a16="http://schemas.microsoft.com/office/drawing/2014/main" xmlns="" id="{EFF05102-56DE-41B8-8DBC-3A12A6022CAB}"/>
               </a:ext>
             </a:extLst>
           </p:cNvPr>
@@ -3381,7 +3381,7 @@
           <p:cNvPr id="4" name="Espace réservé de la date 3">
             <a:extLst>
               <a:ext uri="{FF2B5EF4-FFF2-40B4-BE49-F238E27FC236}">
-                <a16:creationId xmlns:a16="http://schemas.microsoft.com/office/drawing/2014/main" id="{E6FD4B95-1A1D-4013-AF59-180A1E81A63F}"/>
+                <a16:creationId xmlns:a16="http://schemas.microsoft.com/office/drawing/2014/main" xmlns="" id="{E6FD4B95-1A1D-4013-AF59-180A1E81A63F}"/>
               </a:ext>
             </a:extLst>
           </p:cNvPr>
@@ -3417,7 +3417,7 @@
           <a:p>
             <a:fld id="{BE1F1DDC-4961-4DFF-8961-DF0A67287833}" type="datetimeFigureOut">
               <a:rPr lang="fr-FR" smtClean="0"/>
-              <a:t>28/06/2021</a:t>
+              <a:t>29/06/2021</a:t>
             </a:fld>
             <a:endParaRPr lang="fr-FR"/>
           </a:p>
@@ -3428,7 +3428,7 @@
           <p:cNvPr id="5" name="Espace réservé du pied de page 4">
             <a:extLst>
               <a:ext uri="{FF2B5EF4-FFF2-40B4-BE49-F238E27FC236}">
-                <a16:creationId xmlns:a16="http://schemas.microsoft.com/office/drawing/2014/main" id="{FE2BD4CC-BD6D-40A8-AD95-559DB9994F1E}"/>
+                <a16:creationId xmlns:a16="http://schemas.microsoft.com/office/drawing/2014/main" xmlns="" id="{FE2BD4CC-BD6D-40A8-AD95-559DB9994F1E}"/>
               </a:ext>
             </a:extLst>
           </p:cNvPr>
@@ -3471,7 +3471,7 @@
           <p:cNvPr id="6" name="Espace réservé du numéro de diapositive 5">
             <a:extLst>
               <a:ext uri="{FF2B5EF4-FFF2-40B4-BE49-F238E27FC236}">
-                <a16:creationId xmlns:a16="http://schemas.microsoft.com/office/drawing/2014/main" id="{FDF12C98-0244-4CCD-8495-78E50C4416D8}"/>
+                <a16:creationId xmlns:a16="http://schemas.microsoft.com/office/drawing/2014/main" xmlns="" id="{FDF12C98-0244-4CCD-8495-78E50C4416D8}"/>
               </a:ext>
             </a:extLst>
           </p:cNvPr>
@@ -3836,58 +3836,10 @@
       </p:grpSpPr>
       <p:sp>
         <p:nvSpPr>
-          <p:cNvPr id="33" name="ZoneTexte 32">
-            <a:extLst>
-              <a:ext uri="{FF2B5EF4-FFF2-40B4-BE49-F238E27FC236}">
-                <a16:creationId xmlns:a16="http://schemas.microsoft.com/office/drawing/2014/main" id="{BF3F6460-F4B3-41EB-8BE0-256DBA6A3284}"/>
-              </a:ext>
-            </a:extLst>
-          </p:cNvPr>
-          <p:cNvSpPr txBox="1"/>
-          <p:nvPr/>
-        </p:nvSpPr>
-        <p:spPr>
-          <a:xfrm>
-            <a:off x="298637" y="923835"/>
-            <a:ext cx="3799840" cy="646331"/>
-          </a:xfrm>
-          <a:prstGeom prst="rect">
-            <a:avLst/>
-          </a:prstGeom>
-          <a:noFill/>
-        </p:spPr>
-        <p:txBody>
-          <a:bodyPr wrap="square" rtlCol="0">
-            <a:spAutoFit/>
-          </a:bodyPr>
-          <a:lstStyle/>
-          <a:p>
-            <a:pPr algn="ctr"/>
-            <a:r>
-              <a:rPr lang="fr-FR" sz="1200" dirty="0"/>
-              <a:t>MINISTERE DE L’ECONOMIE DES FINANCES ET DU PLAN</a:t>
-            </a:r>
-          </a:p>
-          <a:p>
-            <a:pPr algn="ctr"/>
-            <a:r>
-              <a:rPr lang="fr-FR" sz="1200" dirty="0"/>
-              <a:t>Agence Nationale de la Statistique et de la Démographie</a:t>
-            </a:r>
-            <a:endParaRPr lang="fr-SN" sz="1200" dirty="0"/>
-          </a:p>
-          <a:p>
-            <a:pPr algn="ctr"/>
-            <a:endParaRPr lang="fr-SN" sz="1200" dirty="0"/>
-          </a:p>
-        </p:txBody>
-      </p:sp>
-      <p:sp>
-        <p:nvSpPr>
           <p:cNvPr id="34" name="ZoneTexte 33">
             <a:extLst>
               <a:ext uri="{FF2B5EF4-FFF2-40B4-BE49-F238E27FC236}">
-                <a16:creationId xmlns:a16="http://schemas.microsoft.com/office/drawing/2014/main" id="{0CEC0B58-7A0C-4D56-AE37-7A91973B6CE2}"/>
+                <a16:creationId xmlns:a16="http://schemas.microsoft.com/office/drawing/2014/main" xmlns="" id="{0CEC0B58-7A0C-4D56-AE37-7A91973B6CE2}"/>
               </a:ext>
             </a:extLst>
           </p:cNvPr>
@@ -3940,7 +3892,7 @@
           <p:cNvPr id="39" name="ZoneTexte 38">
             <a:extLst>
               <a:ext uri="{FF2B5EF4-FFF2-40B4-BE49-F238E27FC236}">
-                <a16:creationId xmlns:a16="http://schemas.microsoft.com/office/drawing/2014/main" id="{BEFD72AE-68F3-4E1C-89A0-B9B56B8FC630}"/>
+                <a16:creationId xmlns:a16="http://schemas.microsoft.com/office/drawing/2014/main" xmlns="" id="{BEFD72AE-68F3-4E1C-89A0-B9B56B8FC630}"/>
               </a:ext>
             </a:extLst>
           </p:cNvPr>
@@ -3983,7 +3935,7 @@
           <p:cNvPr id="40" name="Connecteur droit 39">
             <a:extLst>
               <a:ext uri="{FF2B5EF4-FFF2-40B4-BE49-F238E27FC236}">
-                <a16:creationId xmlns:a16="http://schemas.microsoft.com/office/drawing/2014/main" id="{DDF19487-1980-4A82-A922-E753D450BEEB}"/>
+                <a16:creationId xmlns:a16="http://schemas.microsoft.com/office/drawing/2014/main" xmlns="" id="{DDF19487-1980-4A82-A922-E753D450BEEB}"/>
               </a:ext>
             </a:extLst>
           </p:cNvPr>
@@ -4035,7 +3987,7 @@
           <p:cNvPr id="41" name="Connecteur droit 40">
             <a:extLst>
               <a:ext uri="{FF2B5EF4-FFF2-40B4-BE49-F238E27FC236}">
-                <a16:creationId xmlns:a16="http://schemas.microsoft.com/office/drawing/2014/main" id="{A0EF7426-1E4B-4AFC-98E8-E597E67D7E41}"/>
+                <a16:creationId xmlns:a16="http://schemas.microsoft.com/office/drawing/2014/main" xmlns="" id="{A0EF7426-1E4B-4AFC-98E8-E597E67D7E41}"/>
               </a:ext>
             </a:extLst>
           </p:cNvPr>
@@ -4080,7 +4032,7 @@
           <p:cNvPr id="42" name="Rectangle 41">
             <a:extLst>
               <a:ext uri="{FF2B5EF4-FFF2-40B4-BE49-F238E27FC236}">
-                <a16:creationId xmlns:a16="http://schemas.microsoft.com/office/drawing/2014/main" id="{94D0284C-1851-485F-AFBA-BED276CA7774}"/>
+                <a16:creationId xmlns:a16="http://schemas.microsoft.com/office/drawing/2014/main" xmlns="" id="{94D0284C-1851-485F-AFBA-BED276CA7774}"/>
               </a:ext>
             </a:extLst>
           </p:cNvPr>
@@ -4113,10 +4065,10 @@
       </p:sp>
       <p:pic>
         <p:nvPicPr>
-          <p:cNvPr id="44" name="Image 43">
-            <a:extLst>
-              <a:ext uri="{FF2B5EF4-FFF2-40B4-BE49-F238E27FC236}">
-                <a16:creationId xmlns:a16="http://schemas.microsoft.com/office/drawing/2014/main" id="{F7ECBB35-2830-48C4-9702-16511CE5E1FF}"/>
+          <p:cNvPr id="53" name="Picture 5">
+            <a:extLst>
+              <a:ext uri="{FF2B5EF4-FFF2-40B4-BE49-F238E27FC236}">
+                <a16:creationId xmlns:a16="http://schemas.microsoft.com/office/drawing/2014/main" xmlns="" id="{BFC88C85-5606-4CEA-9CF4-3DEC205393B8}"/>
               </a:ext>
             </a:extLst>
           </p:cNvPr>
@@ -4137,8 +4089,8 @@
         </p:blipFill>
         <p:spPr>
           <a:xfrm>
-            <a:off x="1358778" y="1431067"/>
-            <a:ext cx="1472491" cy="917189"/>
+            <a:off x="6080177" y="99006"/>
+            <a:ext cx="822132" cy="774091"/>
           </a:xfrm>
           <a:prstGeom prst="rect">
             <a:avLst/>
@@ -4147,118 +4099,10 @@
       </p:pic>
       <p:sp>
         <p:nvSpPr>
-          <p:cNvPr id="48" name="ZoneTexte 47">
-            <a:extLst>
-              <a:ext uri="{FF2B5EF4-FFF2-40B4-BE49-F238E27FC236}">
-                <a16:creationId xmlns:a16="http://schemas.microsoft.com/office/drawing/2014/main" id="{2F3BED0D-8D54-4F84-B481-A6A5EC76E55E}"/>
-              </a:ext>
-            </a:extLst>
-          </p:cNvPr>
-          <p:cNvSpPr txBox="1"/>
-          <p:nvPr/>
-        </p:nvSpPr>
-        <p:spPr>
-          <a:xfrm>
-            <a:off x="8103951" y="1010117"/>
-            <a:ext cx="4659259" cy="461665"/>
-          </a:xfrm>
-          <a:prstGeom prst="rect">
-            <a:avLst/>
-          </a:prstGeom>
-          <a:noFill/>
-        </p:spPr>
-        <p:txBody>
-          <a:bodyPr wrap="square" rtlCol="0">
-            <a:spAutoFit/>
-          </a:bodyPr>
-          <a:lstStyle/>
-          <a:p>
-            <a:pPr algn="ctr"/>
-            <a:r>
-              <a:rPr lang="fr-FR" sz="1200" dirty="0"/>
-              <a:t>Centre de Coopération Internationale en Recherche</a:t>
-            </a:r>
-          </a:p>
-          <a:p>
-            <a:pPr algn="ctr"/>
-            <a:r>
-              <a:rPr lang="fr-FR" sz="1200" dirty="0"/>
-              <a:t>Agronomique pour le Développement</a:t>
-            </a:r>
-            <a:endParaRPr lang="fr-SN" sz="1200" dirty="0"/>
-          </a:p>
-        </p:txBody>
-      </p:sp>
-      <p:pic>
-        <p:nvPicPr>
-          <p:cNvPr id="50" name="Image 49">
-            <a:extLst>
-              <a:ext uri="{FF2B5EF4-FFF2-40B4-BE49-F238E27FC236}">
-                <a16:creationId xmlns:a16="http://schemas.microsoft.com/office/drawing/2014/main" id="{B1E324DB-9FB7-411C-9022-0DFED3BA89D4}"/>
-              </a:ext>
-            </a:extLst>
-          </p:cNvPr>
-          <p:cNvPicPr>
-            <a:picLocks noChangeAspect="1"/>
-          </p:cNvPicPr>
-          <p:nvPr/>
-        </p:nvPicPr>
-        <p:blipFill>
-          <a:blip r:embed="rId4"/>
-          <a:stretch>
-            <a:fillRect/>
-          </a:stretch>
-        </p:blipFill>
-        <p:spPr>
-          <a:xfrm>
-            <a:off x="9848333" y="1456096"/>
-            <a:ext cx="1305488" cy="705656"/>
-          </a:xfrm>
-          <a:prstGeom prst="rect">
-            <a:avLst/>
-          </a:prstGeom>
-        </p:spPr>
-      </p:pic>
-      <p:pic>
-        <p:nvPicPr>
-          <p:cNvPr id="53" name="Picture 5">
-            <a:extLst>
-              <a:ext uri="{FF2B5EF4-FFF2-40B4-BE49-F238E27FC236}">
-                <a16:creationId xmlns:a16="http://schemas.microsoft.com/office/drawing/2014/main" id="{BFC88C85-5606-4CEA-9CF4-3DEC205393B8}"/>
-              </a:ext>
-            </a:extLst>
-          </p:cNvPr>
-          <p:cNvPicPr/>
-          <p:nvPr/>
-        </p:nvPicPr>
-        <p:blipFill>
-          <a:blip r:embed="rId5" cstate="print">
-            <a:extLst>
-              <a:ext uri="{28A0092B-C50C-407E-A947-70E740481C1C}">
-                <a14:useLocalDpi xmlns:a14="http://schemas.microsoft.com/office/drawing/2010/main" val="0"/>
-              </a:ext>
-            </a:extLst>
-          </a:blip>
-          <a:stretch>
-            <a:fillRect/>
-          </a:stretch>
-        </p:blipFill>
-        <p:spPr>
-          <a:xfrm>
-            <a:off x="6080177" y="99006"/>
-            <a:ext cx="822132" cy="774091"/>
-          </a:xfrm>
-          <a:prstGeom prst="rect">
-            <a:avLst/>
-          </a:prstGeom>
-        </p:spPr>
-      </p:pic>
-      <p:sp>
-        <p:nvSpPr>
           <p:cNvPr id="54" name="Rectangle 53">
             <a:extLst>
               <a:ext uri="{FF2B5EF4-FFF2-40B4-BE49-F238E27FC236}">
-                <a16:creationId xmlns:a16="http://schemas.microsoft.com/office/drawing/2014/main" id="{725DCC90-8577-4268-AD5F-DF1C4B025165}"/>
+                <a16:creationId xmlns:a16="http://schemas.microsoft.com/office/drawing/2014/main" xmlns="" id="{725DCC90-8577-4268-AD5F-DF1C4B025165}"/>
               </a:ext>
             </a:extLst>
           </p:cNvPr>
@@ -4367,7 +4211,7 @@
           <p:cNvPr id="10" name="Rectangle 9">
             <a:extLst>
               <a:ext uri="{FF2B5EF4-FFF2-40B4-BE49-F238E27FC236}">
-                <a16:creationId xmlns:a16="http://schemas.microsoft.com/office/drawing/2014/main" id="{DA4BA0ED-4844-4C8B-82B9-1189524149F8}"/>
+                <a16:creationId xmlns:a16="http://schemas.microsoft.com/office/drawing/2014/main" xmlns="" id="{DA4BA0ED-4844-4C8B-82B9-1189524149F8}"/>
               </a:ext>
             </a:extLst>
           </p:cNvPr>
@@ -4422,7 +4266,7 @@
           <p:cNvPr id="11" name="Espace réservé du numéro de diapositive 11">
             <a:extLst>
               <a:ext uri="{FF2B5EF4-FFF2-40B4-BE49-F238E27FC236}">
-                <a16:creationId xmlns:a16="http://schemas.microsoft.com/office/drawing/2014/main" id="{6E09DCDB-AE7D-46A6-BB24-B19F551B132C}"/>
+                <a16:creationId xmlns:a16="http://schemas.microsoft.com/office/drawing/2014/main" xmlns="" id="{6E09DCDB-AE7D-46A6-BB24-B19F551B132C}"/>
               </a:ext>
             </a:extLst>
           </p:cNvPr>
@@ -4468,7 +4312,7 @@
           <p:cNvPr id="8" name="ZoneTexte 7">
             <a:extLst>
               <a:ext uri="{FF2B5EF4-FFF2-40B4-BE49-F238E27FC236}">
-                <a16:creationId xmlns:a16="http://schemas.microsoft.com/office/drawing/2014/main" id="{0A62A2AD-5162-491A-A819-15508085BEFB}"/>
+                <a16:creationId xmlns:a16="http://schemas.microsoft.com/office/drawing/2014/main" xmlns="" id="{0A62A2AD-5162-491A-A819-15508085BEFB}"/>
               </a:ext>
             </a:extLst>
           </p:cNvPr>
@@ -4536,7 +4380,7 @@
           <p:cNvPr id="9" name="Connecteur droit 8">
             <a:extLst>
               <a:ext uri="{FF2B5EF4-FFF2-40B4-BE49-F238E27FC236}">
-                <a16:creationId xmlns:a16="http://schemas.microsoft.com/office/drawing/2014/main" id="{CA91B1E3-FD56-4F80-9C4D-68FE7BB35AA6}"/>
+                <a16:creationId xmlns:a16="http://schemas.microsoft.com/office/drawing/2014/main" xmlns="" id="{CA91B1E3-FD56-4F80-9C4D-68FE7BB35AA6}"/>
               </a:ext>
             </a:extLst>
           </p:cNvPr>
@@ -4579,7 +4423,7 @@
           <p:cNvPr id="12" name="Connecteur droit 11">
             <a:extLst>
               <a:ext uri="{FF2B5EF4-FFF2-40B4-BE49-F238E27FC236}">
-                <a16:creationId xmlns:a16="http://schemas.microsoft.com/office/drawing/2014/main" id="{34364D99-1E04-4083-84DA-21B4C64D9EAA}"/>
+                <a16:creationId xmlns:a16="http://schemas.microsoft.com/office/drawing/2014/main" xmlns="" id="{34364D99-1E04-4083-84DA-21B4C64D9EAA}"/>
               </a:ext>
             </a:extLst>
           </p:cNvPr>
@@ -4659,7 +4503,7 @@
           <p:cNvPr id="4" name="ZoneTexte 3">
             <a:extLst>
               <a:ext uri="{FF2B5EF4-FFF2-40B4-BE49-F238E27FC236}">
-                <a16:creationId xmlns:a16="http://schemas.microsoft.com/office/drawing/2014/main" id="{B7191FEF-1E3F-48E9-A65A-B5A88B9994F6}"/>
+                <a16:creationId xmlns:a16="http://schemas.microsoft.com/office/drawing/2014/main" xmlns="" id="{B7191FEF-1E3F-48E9-A65A-B5A88B9994F6}"/>
               </a:ext>
             </a:extLst>
           </p:cNvPr>
@@ -4723,7 +4567,7 @@
           <p:cNvPr id="6" name="ZoneTexte 5">
             <a:extLst>
               <a:ext uri="{FF2B5EF4-FFF2-40B4-BE49-F238E27FC236}">
-                <a16:creationId xmlns:a16="http://schemas.microsoft.com/office/drawing/2014/main" id="{4E6C70CE-FB70-42B3-B1D7-F39655043020}"/>
+                <a16:creationId xmlns:a16="http://schemas.microsoft.com/office/drawing/2014/main" xmlns="" id="{4E6C70CE-FB70-42B3-B1D7-F39655043020}"/>
               </a:ext>
             </a:extLst>
           </p:cNvPr>
@@ -4763,7 +4607,7 @@
           <p:cNvPr id="3" name="Connecteur droit 2">
             <a:extLst>
               <a:ext uri="{FF2B5EF4-FFF2-40B4-BE49-F238E27FC236}">
-                <a16:creationId xmlns:a16="http://schemas.microsoft.com/office/drawing/2014/main" id="{2E5FFC58-89E0-45F1-AB54-88B4500CE745}"/>
+                <a16:creationId xmlns:a16="http://schemas.microsoft.com/office/drawing/2014/main" xmlns="" id="{2E5FFC58-89E0-45F1-AB54-88B4500CE745}"/>
               </a:ext>
             </a:extLst>
           </p:cNvPr>
@@ -4806,7 +4650,7 @@
           <p:cNvPr id="2" name="ZoneTexte 1">
             <a:extLst>
               <a:ext uri="{FF2B5EF4-FFF2-40B4-BE49-F238E27FC236}">
-                <a16:creationId xmlns:a16="http://schemas.microsoft.com/office/drawing/2014/main" id="{DEB99B38-D78B-4346-AFD8-F8880CE01854}"/>
+                <a16:creationId xmlns:a16="http://schemas.microsoft.com/office/drawing/2014/main" xmlns="" id="{DEB99B38-D78B-4346-AFD8-F8880CE01854}"/>
               </a:ext>
             </a:extLst>
           </p:cNvPr>
@@ -4843,7 +4687,7 @@
           <p:cNvPr id="10" name="Rectangle 9">
             <a:extLst>
               <a:ext uri="{FF2B5EF4-FFF2-40B4-BE49-F238E27FC236}">
-                <a16:creationId xmlns:a16="http://schemas.microsoft.com/office/drawing/2014/main" id="{DA4BA0ED-4844-4C8B-82B9-1189524149F8}"/>
+                <a16:creationId xmlns:a16="http://schemas.microsoft.com/office/drawing/2014/main" xmlns="" id="{DA4BA0ED-4844-4C8B-82B9-1189524149F8}"/>
               </a:ext>
             </a:extLst>
           </p:cNvPr>
@@ -4898,7 +4742,7 @@
           <p:cNvPr id="11" name="Espace réservé du numéro de diapositive 11">
             <a:extLst>
               <a:ext uri="{FF2B5EF4-FFF2-40B4-BE49-F238E27FC236}">
-                <a16:creationId xmlns:a16="http://schemas.microsoft.com/office/drawing/2014/main" id="{6E09DCDB-AE7D-46A6-BB24-B19F551B132C}"/>
+                <a16:creationId xmlns:a16="http://schemas.microsoft.com/office/drawing/2014/main" xmlns="" id="{6E09DCDB-AE7D-46A6-BB24-B19F551B132C}"/>
               </a:ext>
             </a:extLst>
           </p:cNvPr>
@@ -4944,7 +4788,7 @@
           <p:cNvPr id="9" name="ZoneTexte 8">
             <a:extLst>
               <a:ext uri="{FF2B5EF4-FFF2-40B4-BE49-F238E27FC236}">
-                <a16:creationId xmlns:a16="http://schemas.microsoft.com/office/drawing/2014/main" id="{4E6C70CE-FB70-42B3-B1D7-F39655043020}"/>
+                <a16:creationId xmlns:a16="http://schemas.microsoft.com/office/drawing/2014/main" xmlns="" id="{4E6C70CE-FB70-42B3-B1D7-F39655043020}"/>
               </a:ext>
             </a:extLst>
           </p:cNvPr>
@@ -4984,7 +4828,7 @@
           <p:cNvPr id="12" name="ZoneTexte 11">
             <a:extLst>
               <a:ext uri="{FF2B5EF4-FFF2-40B4-BE49-F238E27FC236}">
-                <a16:creationId xmlns:a16="http://schemas.microsoft.com/office/drawing/2014/main" id="{4E6C70CE-FB70-42B3-B1D7-F39655043020}"/>
+                <a16:creationId xmlns:a16="http://schemas.microsoft.com/office/drawing/2014/main" xmlns="" id="{4E6C70CE-FB70-42B3-B1D7-F39655043020}"/>
               </a:ext>
             </a:extLst>
           </p:cNvPr>
@@ -5021,7 +4865,7 @@
           <p:cNvPr id="13" name="ZoneTexte 12">
             <a:extLst>
               <a:ext uri="{FF2B5EF4-FFF2-40B4-BE49-F238E27FC236}">
-                <a16:creationId xmlns:a16="http://schemas.microsoft.com/office/drawing/2014/main" id="{4E6C70CE-FB70-42B3-B1D7-F39655043020}"/>
+                <a16:creationId xmlns:a16="http://schemas.microsoft.com/office/drawing/2014/main" xmlns="" id="{4E6C70CE-FB70-42B3-B1D7-F39655043020}"/>
               </a:ext>
             </a:extLst>
           </p:cNvPr>
@@ -5058,7 +4902,7 @@
           <p:cNvPr id="14" name="ZoneTexte 13">
             <a:extLst>
               <a:ext uri="{FF2B5EF4-FFF2-40B4-BE49-F238E27FC236}">
-                <a16:creationId xmlns:a16="http://schemas.microsoft.com/office/drawing/2014/main" id="{4E6C70CE-FB70-42B3-B1D7-F39655043020}"/>
+                <a16:creationId xmlns:a16="http://schemas.microsoft.com/office/drawing/2014/main" xmlns="" id="{4E6C70CE-FB70-42B3-B1D7-F39655043020}"/>
               </a:ext>
             </a:extLst>
           </p:cNvPr>
@@ -5099,7 +4943,7 @@
           <p:cNvPr id="15" name="ZoneTexte 14">
             <a:extLst>
               <a:ext uri="{FF2B5EF4-FFF2-40B4-BE49-F238E27FC236}">
-                <a16:creationId xmlns:a16="http://schemas.microsoft.com/office/drawing/2014/main" id="{4E6C70CE-FB70-42B3-B1D7-F39655043020}"/>
+                <a16:creationId xmlns:a16="http://schemas.microsoft.com/office/drawing/2014/main" xmlns="" id="{4E6C70CE-FB70-42B3-B1D7-F39655043020}"/>
               </a:ext>
             </a:extLst>
           </p:cNvPr>
@@ -5520,7 +5364,7 @@
           <p:cNvPr id="4" name="ZoneTexte 3">
             <a:extLst>
               <a:ext uri="{FF2B5EF4-FFF2-40B4-BE49-F238E27FC236}">
-                <a16:creationId xmlns:a16="http://schemas.microsoft.com/office/drawing/2014/main" id="{B7191FEF-1E3F-48E9-A65A-B5A88B9994F6}"/>
+                <a16:creationId xmlns:a16="http://schemas.microsoft.com/office/drawing/2014/main" xmlns="" id="{B7191FEF-1E3F-48E9-A65A-B5A88B9994F6}"/>
               </a:ext>
             </a:extLst>
           </p:cNvPr>
@@ -5584,7 +5428,7 @@
           <p:cNvPr id="6" name="ZoneTexte 5">
             <a:extLst>
               <a:ext uri="{FF2B5EF4-FFF2-40B4-BE49-F238E27FC236}">
-                <a16:creationId xmlns:a16="http://schemas.microsoft.com/office/drawing/2014/main" id="{4E6C70CE-FB70-42B3-B1D7-F39655043020}"/>
+                <a16:creationId xmlns:a16="http://schemas.microsoft.com/office/drawing/2014/main" xmlns="" id="{4E6C70CE-FB70-42B3-B1D7-F39655043020}"/>
               </a:ext>
             </a:extLst>
           </p:cNvPr>
@@ -5633,7 +5477,7 @@
           <p:cNvPr id="3" name="Connecteur droit 2">
             <a:extLst>
               <a:ext uri="{FF2B5EF4-FFF2-40B4-BE49-F238E27FC236}">
-                <a16:creationId xmlns:a16="http://schemas.microsoft.com/office/drawing/2014/main" id="{2E5FFC58-89E0-45F1-AB54-88B4500CE745}"/>
+                <a16:creationId xmlns:a16="http://schemas.microsoft.com/office/drawing/2014/main" xmlns="" id="{2E5FFC58-89E0-45F1-AB54-88B4500CE745}"/>
               </a:ext>
             </a:extLst>
           </p:cNvPr>
@@ -5676,7 +5520,7 @@
           <p:cNvPr id="10" name="Rectangle 9">
             <a:extLst>
               <a:ext uri="{FF2B5EF4-FFF2-40B4-BE49-F238E27FC236}">
-                <a16:creationId xmlns:a16="http://schemas.microsoft.com/office/drawing/2014/main" id="{14A3558A-4A87-4B6A-9723-F4491E69E97E}"/>
+                <a16:creationId xmlns:a16="http://schemas.microsoft.com/office/drawing/2014/main" xmlns="" id="{14A3558A-4A87-4B6A-9723-F4491E69E97E}"/>
               </a:ext>
             </a:extLst>
           </p:cNvPr>
@@ -5731,7 +5575,7 @@
           <p:cNvPr id="11" name="Espace réservé du numéro de diapositive 11">
             <a:extLst>
               <a:ext uri="{FF2B5EF4-FFF2-40B4-BE49-F238E27FC236}">
-                <a16:creationId xmlns:a16="http://schemas.microsoft.com/office/drawing/2014/main" id="{57E8E001-37B4-4C7F-BF69-55E4D384B211}"/>
+                <a16:creationId xmlns:a16="http://schemas.microsoft.com/office/drawing/2014/main" xmlns="" id="{57E8E001-37B4-4C7F-BF69-55E4D384B211}"/>
               </a:ext>
             </a:extLst>
           </p:cNvPr>
@@ -5777,7 +5621,7 @@
           <p:cNvPr id="7" name="ZoneTexte 6">
             <a:extLst>
               <a:ext uri="{FF2B5EF4-FFF2-40B4-BE49-F238E27FC236}">
-                <a16:creationId xmlns:a16="http://schemas.microsoft.com/office/drawing/2014/main" id="{4E6C70CE-FB70-42B3-B1D7-F39655043020}"/>
+                <a16:creationId xmlns:a16="http://schemas.microsoft.com/office/drawing/2014/main" xmlns="" id="{4E6C70CE-FB70-42B3-B1D7-F39655043020}"/>
               </a:ext>
             </a:extLst>
           </p:cNvPr>
@@ -5814,7 +5658,7 @@
           <p:cNvPr id="8" name="ZoneTexte 7">
             <a:extLst>
               <a:ext uri="{FF2B5EF4-FFF2-40B4-BE49-F238E27FC236}">
-                <a16:creationId xmlns:a16="http://schemas.microsoft.com/office/drawing/2014/main" id="{4E6C70CE-FB70-42B3-B1D7-F39655043020}"/>
+                <a16:creationId xmlns:a16="http://schemas.microsoft.com/office/drawing/2014/main" xmlns="" id="{4E6C70CE-FB70-42B3-B1D7-F39655043020}"/>
               </a:ext>
             </a:extLst>
           </p:cNvPr>
@@ -5851,7 +5695,7 @@
           <p:cNvPr id="9" name="ZoneTexte 8">
             <a:extLst>
               <a:ext uri="{FF2B5EF4-FFF2-40B4-BE49-F238E27FC236}">
-                <a16:creationId xmlns:a16="http://schemas.microsoft.com/office/drawing/2014/main" id="{4E6C70CE-FB70-42B3-B1D7-F39655043020}"/>
+                <a16:creationId xmlns:a16="http://schemas.microsoft.com/office/drawing/2014/main" xmlns="" id="{4E6C70CE-FB70-42B3-B1D7-F39655043020}"/>
               </a:ext>
             </a:extLst>
           </p:cNvPr>
@@ -5888,7 +5732,7 @@
           <p:cNvPr id="12" name="ZoneTexte 11">
             <a:extLst>
               <a:ext uri="{FF2B5EF4-FFF2-40B4-BE49-F238E27FC236}">
-                <a16:creationId xmlns:a16="http://schemas.microsoft.com/office/drawing/2014/main" id="{4E6C70CE-FB70-42B3-B1D7-F39655043020}"/>
+                <a16:creationId xmlns:a16="http://schemas.microsoft.com/office/drawing/2014/main" xmlns="" id="{4E6C70CE-FB70-42B3-B1D7-F39655043020}"/>
               </a:ext>
             </a:extLst>
           </p:cNvPr>
@@ -6171,7 +6015,7 @@
           <p:cNvPr id="4" name="ZoneTexte 3">
             <a:extLst>
               <a:ext uri="{FF2B5EF4-FFF2-40B4-BE49-F238E27FC236}">
-                <a16:creationId xmlns:a16="http://schemas.microsoft.com/office/drawing/2014/main" id="{B7191FEF-1E3F-48E9-A65A-B5A88B9994F6}"/>
+                <a16:creationId xmlns:a16="http://schemas.microsoft.com/office/drawing/2014/main" xmlns="" id="{B7191FEF-1E3F-48E9-A65A-B5A88B9994F6}"/>
               </a:ext>
             </a:extLst>
           </p:cNvPr>
@@ -6235,7 +6079,7 @@
           <p:cNvPr id="6" name="ZoneTexte 5">
             <a:extLst>
               <a:ext uri="{FF2B5EF4-FFF2-40B4-BE49-F238E27FC236}">
-                <a16:creationId xmlns:a16="http://schemas.microsoft.com/office/drawing/2014/main" id="{4E6C70CE-FB70-42B3-B1D7-F39655043020}"/>
+                <a16:creationId xmlns:a16="http://schemas.microsoft.com/office/drawing/2014/main" xmlns="" id="{4E6C70CE-FB70-42B3-B1D7-F39655043020}"/>
               </a:ext>
             </a:extLst>
           </p:cNvPr>
@@ -6284,7 +6128,7 @@
           <p:cNvPr id="3" name="Connecteur droit 2">
             <a:extLst>
               <a:ext uri="{FF2B5EF4-FFF2-40B4-BE49-F238E27FC236}">
-                <a16:creationId xmlns:a16="http://schemas.microsoft.com/office/drawing/2014/main" id="{2E5FFC58-89E0-45F1-AB54-88B4500CE745}"/>
+                <a16:creationId xmlns:a16="http://schemas.microsoft.com/office/drawing/2014/main" xmlns="" id="{2E5FFC58-89E0-45F1-AB54-88B4500CE745}"/>
               </a:ext>
             </a:extLst>
           </p:cNvPr>
@@ -6327,7 +6171,7 @@
           <p:cNvPr id="11" name="Espace réservé du numéro de diapositive 11">
             <a:extLst>
               <a:ext uri="{FF2B5EF4-FFF2-40B4-BE49-F238E27FC236}">
-                <a16:creationId xmlns:a16="http://schemas.microsoft.com/office/drawing/2014/main" id="{57E8E001-37B4-4C7F-BF69-55E4D384B211}"/>
+                <a16:creationId xmlns:a16="http://schemas.microsoft.com/office/drawing/2014/main" xmlns="" id="{57E8E001-37B4-4C7F-BF69-55E4D384B211}"/>
               </a:ext>
             </a:extLst>
           </p:cNvPr>
@@ -6373,7 +6217,7 @@
           <p:cNvPr id="7" name="ZoneTexte 6">
             <a:extLst>
               <a:ext uri="{FF2B5EF4-FFF2-40B4-BE49-F238E27FC236}">
-                <a16:creationId xmlns:a16="http://schemas.microsoft.com/office/drawing/2014/main" id="{4E6C70CE-FB70-42B3-B1D7-F39655043020}"/>
+                <a16:creationId xmlns:a16="http://schemas.microsoft.com/office/drawing/2014/main" xmlns="" id="{4E6C70CE-FB70-42B3-B1D7-F39655043020}"/>
               </a:ext>
             </a:extLst>
           </p:cNvPr>
@@ -6410,7 +6254,7 @@
           <p:cNvPr id="8" name="ZoneTexte 7">
             <a:extLst>
               <a:ext uri="{FF2B5EF4-FFF2-40B4-BE49-F238E27FC236}">
-                <a16:creationId xmlns:a16="http://schemas.microsoft.com/office/drawing/2014/main" id="{4E6C70CE-FB70-42B3-B1D7-F39655043020}"/>
+                <a16:creationId xmlns:a16="http://schemas.microsoft.com/office/drawing/2014/main" xmlns="" id="{4E6C70CE-FB70-42B3-B1D7-F39655043020}"/>
               </a:ext>
             </a:extLst>
           </p:cNvPr>
@@ -6451,7 +6295,7 @@
           <p:cNvPr id="9" name="ZoneTexte 8">
             <a:extLst>
               <a:ext uri="{FF2B5EF4-FFF2-40B4-BE49-F238E27FC236}">
-                <a16:creationId xmlns:a16="http://schemas.microsoft.com/office/drawing/2014/main" id="{4E6C70CE-FB70-42B3-B1D7-F39655043020}"/>
+                <a16:creationId xmlns:a16="http://schemas.microsoft.com/office/drawing/2014/main" xmlns="" id="{4E6C70CE-FB70-42B3-B1D7-F39655043020}"/>
               </a:ext>
             </a:extLst>
           </p:cNvPr>
@@ -6492,7 +6336,7 @@
           <p:cNvPr id="12" name="ZoneTexte 11">
             <a:extLst>
               <a:ext uri="{FF2B5EF4-FFF2-40B4-BE49-F238E27FC236}">
-                <a16:creationId xmlns:a16="http://schemas.microsoft.com/office/drawing/2014/main" id="{4E6C70CE-FB70-42B3-B1D7-F39655043020}"/>
+                <a16:creationId xmlns:a16="http://schemas.microsoft.com/office/drawing/2014/main" xmlns="" id="{4E6C70CE-FB70-42B3-B1D7-F39655043020}"/>
               </a:ext>
             </a:extLst>
           </p:cNvPr>
@@ -6533,7 +6377,7 @@
           <p:cNvPr id="13" name="ZoneTexte 12">
             <a:extLst>
               <a:ext uri="{FF2B5EF4-FFF2-40B4-BE49-F238E27FC236}">
-                <a16:creationId xmlns:a16="http://schemas.microsoft.com/office/drawing/2014/main" id="{4E6C70CE-FB70-42B3-B1D7-F39655043020}"/>
+                <a16:creationId xmlns:a16="http://schemas.microsoft.com/office/drawing/2014/main" xmlns="" id="{4E6C70CE-FB70-42B3-B1D7-F39655043020}"/>
               </a:ext>
             </a:extLst>
           </p:cNvPr>
@@ -6570,7 +6414,7 @@
           <p:cNvPr id="14" name="ZoneTexte 13">
             <a:extLst>
               <a:ext uri="{FF2B5EF4-FFF2-40B4-BE49-F238E27FC236}">
-                <a16:creationId xmlns:a16="http://schemas.microsoft.com/office/drawing/2014/main" id="{4E6C70CE-FB70-42B3-B1D7-F39655043020}"/>
+                <a16:creationId xmlns:a16="http://schemas.microsoft.com/office/drawing/2014/main" xmlns="" id="{4E6C70CE-FB70-42B3-B1D7-F39655043020}"/>
               </a:ext>
             </a:extLst>
           </p:cNvPr>
@@ -6607,7 +6451,7 @@
           <p:cNvPr id="15" name="ZoneTexte 14">
             <a:extLst>
               <a:ext uri="{FF2B5EF4-FFF2-40B4-BE49-F238E27FC236}">
-                <a16:creationId xmlns:a16="http://schemas.microsoft.com/office/drawing/2014/main" id="{4E6C70CE-FB70-42B3-B1D7-F39655043020}"/>
+                <a16:creationId xmlns:a16="http://schemas.microsoft.com/office/drawing/2014/main" xmlns="" id="{4E6C70CE-FB70-42B3-B1D7-F39655043020}"/>
               </a:ext>
             </a:extLst>
           </p:cNvPr>
@@ -7028,7 +6872,7 @@
           <p:cNvPr id="4" name="ZoneTexte 3">
             <a:extLst>
               <a:ext uri="{FF2B5EF4-FFF2-40B4-BE49-F238E27FC236}">
-                <a16:creationId xmlns:a16="http://schemas.microsoft.com/office/drawing/2014/main" id="{B7191FEF-1E3F-48E9-A65A-B5A88B9994F6}"/>
+                <a16:creationId xmlns:a16="http://schemas.microsoft.com/office/drawing/2014/main" xmlns="" id="{B7191FEF-1E3F-48E9-A65A-B5A88B9994F6}"/>
               </a:ext>
             </a:extLst>
           </p:cNvPr>
@@ -7092,7 +6936,7 @@
           <p:cNvPr id="6" name="ZoneTexte 5">
             <a:extLst>
               <a:ext uri="{FF2B5EF4-FFF2-40B4-BE49-F238E27FC236}">
-                <a16:creationId xmlns:a16="http://schemas.microsoft.com/office/drawing/2014/main" id="{4E6C70CE-FB70-42B3-B1D7-F39655043020}"/>
+                <a16:creationId xmlns:a16="http://schemas.microsoft.com/office/drawing/2014/main" xmlns="" id="{4E6C70CE-FB70-42B3-B1D7-F39655043020}"/>
               </a:ext>
             </a:extLst>
           </p:cNvPr>
@@ -7141,7 +6985,7 @@
           <p:cNvPr id="3" name="Connecteur droit 2">
             <a:extLst>
               <a:ext uri="{FF2B5EF4-FFF2-40B4-BE49-F238E27FC236}">
-                <a16:creationId xmlns:a16="http://schemas.microsoft.com/office/drawing/2014/main" id="{2E5FFC58-89E0-45F1-AB54-88B4500CE745}"/>
+                <a16:creationId xmlns:a16="http://schemas.microsoft.com/office/drawing/2014/main" xmlns="" id="{2E5FFC58-89E0-45F1-AB54-88B4500CE745}"/>
               </a:ext>
             </a:extLst>
           </p:cNvPr>
@@ -7184,7 +7028,7 @@
           <p:cNvPr id="10" name="Rectangle 9">
             <a:extLst>
               <a:ext uri="{FF2B5EF4-FFF2-40B4-BE49-F238E27FC236}">
-                <a16:creationId xmlns:a16="http://schemas.microsoft.com/office/drawing/2014/main" id="{14A3558A-4A87-4B6A-9723-F4491E69E97E}"/>
+                <a16:creationId xmlns:a16="http://schemas.microsoft.com/office/drawing/2014/main" xmlns="" id="{14A3558A-4A87-4B6A-9723-F4491E69E97E}"/>
               </a:ext>
             </a:extLst>
           </p:cNvPr>
@@ -7239,7 +7083,7 @@
           <p:cNvPr id="11" name="Espace réservé du numéro de diapositive 11">
             <a:extLst>
               <a:ext uri="{FF2B5EF4-FFF2-40B4-BE49-F238E27FC236}">
-                <a16:creationId xmlns:a16="http://schemas.microsoft.com/office/drawing/2014/main" id="{57E8E001-37B4-4C7F-BF69-55E4D384B211}"/>
+                <a16:creationId xmlns:a16="http://schemas.microsoft.com/office/drawing/2014/main" xmlns="" id="{57E8E001-37B4-4C7F-BF69-55E4D384B211}"/>
               </a:ext>
             </a:extLst>
           </p:cNvPr>
@@ -7285,7 +7129,7 @@
           <p:cNvPr id="7" name="ZoneTexte 6">
             <a:extLst>
               <a:ext uri="{FF2B5EF4-FFF2-40B4-BE49-F238E27FC236}">
-                <a16:creationId xmlns:a16="http://schemas.microsoft.com/office/drawing/2014/main" id="{4E6C70CE-FB70-42B3-B1D7-F39655043020}"/>
+                <a16:creationId xmlns:a16="http://schemas.microsoft.com/office/drawing/2014/main" xmlns="" id="{4E6C70CE-FB70-42B3-B1D7-F39655043020}"/>
               </a:ext>
             </a:extLst>
           </p:cNvPr>
@@ -7322,7 +7166,7 @@
           <p:cNvPr id="8" name="ZoneTexte 7">
             <a:extLst>
               <a:ext uri="{FF2B5EF4-FFF2-40B4-BE49-F238E27FC236}">
-                <a16:creationId xmlns:a16="http://schemas.microsoft.com/office/drawing/2014/main" id="{4E6C70CE-FB70-42B3-B1D7-F39655043020}"/>
+                <a16:creationId xmlns:a16="http://schemas.microsoft.com/office/drawing/2014/main" xmlns="" id="{4E6C70CE-FB70-42B3-B1D7-F39655043020}"/>
               </a:ext>
             </a:extLst>
           </p:cNvPr>
@@ -7363,7 +7207,7 @@
           <p:cNvPr id="9" name="ZoneTexte 8">
             <a:extLst>
               <a:ext uri="{FF2B5EF4-FFF2-40B4-BE49-F238E27FC236}">
-                <a16:creationId xmlns:a16="http://schemas.microsoft.com/office/drawing/2014/main" id="{4E6C70CE-FB70-42B3-B1D7-F39655043020}"/>
+                <a16:creationId xmlns:a16="http://schemas.microsoft.com/office/drawing/2014/main" xmlns="" id="{4E6C70CE-FB70-42B3-B1D7-F39655043020}"/>
               </a:ext>
             </a:extLst>
           </p:cNvPr>
@@ -7404,7 +7248,7 @@
           <p:cNvPr id="12" name="ZoneTexte 11">
             <a:extLst>
               <a:ext uri="{FF2B5EF4-FFF2-40B4-BE49-F238E27FC236}">
-                <a16:creationId xmlns:a16="http://schemas.microsoft.com/office/drawing/2014/main" id="{4E6C70CE-FB70-42B3-B1D7-F39655043020}"/>
+                <a16:creationId xmlns:a16="http://schemas.microsoft.com/office/drawing/2014/main" xmlns="" id="{4E6C70CE-FB70-42B3-B1D7-F39655043020}"/>
               </a:ext>
             </a:extLst>
           </p:cNvPr>
@@ -7445,7 +7289,7 @@
           <p:cNvPr id="13" name="ZoneTexte 12">
             <a:extLst>
               <a:ext uri="{FF2B5EF4-FFF2-40B4-BE49-F238E27FC236}">
-                <a16:creationId xmlns:a16="http://schemas.microsoft.com/office/drawing/2014/main" id="{4E6C70CE-FB70-42B3-B1D7-F39655043020}"/>
+                <a16:creationId xmlns:a16="http://schemas.microsoft.com/office/drawing/2014/main" xmlns="" id="{4E6C70CE-FB70-42B3-B1D7-F39655043020}"/>
               </a:ext>
             </a:extLst>
           </p:cNvPr>
@@ -7482,7 +7326,7 @@
           <p:cNvPr id="14" name="ZoneTexte 13">
             <a:extLst>
               <a:ext uri="{FF2B5EF4-FFF2-40B4-BE49-F238E27FC236}">
-                <a16:creationId xmlns:a16="http://schemas.microsoft.com/office/drawing/2014/main" id="{4E6C70CE-FB70-42B3-B1D7-F39655043020}"/>
+                <a16:creationId xmlns:a16="http://schemas.microsoft.com/office/drawing/2014/main" xmlns="" id="{4E6C70CE-FB70-42B3-B1D7-F39655043020}"/>
               </a:ext>
             </a:extLst>
           </p:cNvPr>
@@ -7519,7 +7363,7 @@
           <p:cNvPr id="15" name="ZoneTexte 14">
             <a:extLst>
               <a:ext uri="{FF2B5EF4-FFF2-40B4-BE49-F238E27FC236}">
-                <a16:creationId xmlns:a16="http://schemas.microsoft.com/office/drawing/2014/main" id="{4E6C70CE-FB70-42B3-B1D7-F39655043020}"/>
+                <a16:creationId xmlns:a16="http://schemas.microsoft.com/office/drawing/2014/main" xmlns="" id="{4E6C70CE-FB70-42B3-B1D7-F39655043020}"/>
               </a:ext>
             </a:extLst>
           </p:cNvPr>
@@ -7940,7 +7784,7 @@
           <p:cNvPr id="4" name="ZoneTexte 3">
             <a:extLst>
               <a:ext uri="{FF2B5EF4-FFF2-40B4-BE49-F238E27FC236}">
-                <a16:creationId xmlns:a16="http://schemas.microsoft.com/office/drawing/2014/main" id="{B7191FEF-1E3F-48E9-A65A-B5A88B9994F6}"/>
+                <a16:creationId xmlns:a16="http://schemas.microsoft.com/office/drawing/2014/main" xmlns="" id="{B7191FEF-1E3F-48E9-A65A-B5A88B9994F6}"/>
               </a:ext>
             </a:extLst>
           </p:cNvPr>
@@ -8004,7 +7848,7 @@
           <p:cNvPr id="6" name="ZoneTexte 5">
             <a:extLst>
               <a:ext uri="{FF2B5EF4-FFF2-40B4-BE49-F238E27FC236}">
-                <a16:creationId xmlns:a16="http://schemas.microsoft.com/office/drawing/2014/main" id="{4E6C70CE-FB70-42B3-B1D7-F39655043020}"/>
+                <a16:creationId xmlns:a16="http://schemas.microsoft.com/office/drawing/2014/main" xmlns="" id="{4E6C70CE-FB70-42B3-B1D7-F39655043020}"/>
               </a:ext>
             </a:extLst>
           </p:cNvPr>
@@ -8053,7 +7897,7 @@
           <p:cNvPr id="3" name="Connecteur droit 2">
             <a:extLst>
               <a:ext uri="{FF2B5EF4-FFF2-40B4-BE49-F238E27FC236}">
-                <a16:creationId xmlns:a16="http://schemas.microsoft.com/office/drawing/2014/main" id="{2E5FFC58-89E0-45F1-AB54-88B4500CE745}"/>
+                <a16:creationId xmlns:a16="http://schemas.microsoft.com/office/drawing/2014/main" xmlns="" id="{2E5FFC58-89E0-45F1-AB54-88B4500CE745}"/>
               </a:ext>
             </a:extLst>
           </p:cNvPr>
@@ -8096,7 +7940,7 @@
           <p:cNvPr id="10" name="Rectangle 9">
             <a:extLst>
               <a:ext uri="{FF2B5EF4-FFF2-40B4-BE49-F238E27FC236}">
-                <a16:creationId xmlns:a16="http://schemas.microsoft.com/office/drawing/2014/main" id="{14A3558A-4A87-4B6A-9723-F4491E69E97E}"/>
+                <a16:creationId xmlns:a16="http://schemas.microsoft.com/office/drawing/2014/main" xmlns="" id="{14A3558A-4A87-4B6A-9723-F4491E69E97E}"/>
               </a:ext>
             </a:extLst>
           </p:cNvPr>
@@ -8151,7 +7995,7 @@
           <p:cNvPr id="11" name="Espace réservé du numéro de diapositive 11">
             <a:extLst>
               <a:ext uri="{FF2B5EF4-FFF2-40B4-BE49-F238E27FC236}">
-                <a16:creationId xmlns:a16="http://schemas.microsoft.com/office/drawing/2014/main" id="{57E8E001-37B4-4C7F-BF69-55E4D384B211}"/>
+                <a16:creationId xmlns:a16="http://schemas.microsoft.com/office/drawing/2014/main" xmlns="" id="{57E8E001-37B4-4C7F-BF69-55E4D384B211}"/>
               </a:ext>
             </a:extLst>
           </p:cNvPr>
@@ -8197,7 +8041,7 @@
           <p:cNvPr id="7" name="ZoneTexte 6">
             <a:extLst>
               <a:ext uri="{FF2B5EF4-FFF2-40B4-BE49-F238E27FC236}">
-                <a16:creationId xmlns:a16="http://schemas.microsoft.com/office/drawing/2014/main" id="{4E6C70CE-FB70-42B3-B1D7-F39655043020}"/>
+                <a16:creationId xmlns:a16="http://schemas.microsoft.com/office/drawing/2014/main" xmlns="" id="{4E6C70CE-FB70-42B3-B1D7-F39655043020}"/>
               </a:ext>
             </a:extLst>
           </p:cNvPr>
@@ -8238,7 +8082,7 @@
           <p:cNvPr id="17" name="ZoneTexte 16">
             <a:extLst>
               <a:ext uri="{FF2B5EF4-FFF2-40B4-BE49-F238E27FC236}">
-                <a16:creationId xmlns:a16="http://schemas.microsoft.com/office/drawing/2014/main" id="{4E6C70CE-FB70-42B3-B1D7-F39655043020}"/>
+                <a16:creationId xmlns:a16="http://schemas.microsoft.com/office/drawing/2014/main" xmlns="" id="{4E6C70CE-FB70-42B3-B1D7-F39655043020}"/>
               </a:ext>
             </a:extLst>
           </p:cNvPr>
@@ -8275,7 +8119,7 @@
           <p:cNvPr id="18" name="ZoneTexte 17">
             <a:extLst>
               <a:ext uri="{FF2B5EF4-FFF2-40B4-BE49-F238E27FC236}">
-                <a16:creationId xmlns:a16="http://schemas.microsoft.com/office/drawing/2014/main" id="{4E6C70CE-FB70-42B3-B1D7-F39655043020}"/>
+                <a16:creationId xmlns:a16="http://schemas.microsoft.com/office/drawing/2014/main" xmlns="" id="{4E6C70CE-FB70-42B3-B1D7-F39655043020}"/>
               </a:ext>
             </a:extLst>
           </p:cNvPr>
@@ -8512,7 +8356,7 @@
           <p:cNvPr id="4" name="ZoneTexte 3">
             <a:extLst>
               <a:ext uri="{FF2B5EF4-FFF2-40B4-BE49-F238E27FC236}">
-                <a16:creationId xmlns:a16="http://schemas.microsoft.com/office/drawing/2014/main" id="{B7191FEF-1E3F-48E9-A65A-B5A88B9994F6}"/>
+                <a16:creationId xmlns:a16="http://schemas.microsoft.com/office/drawing/2014/main" xmlns="" id="{B7191FEF-1E3F-48E9-A65A-B5A88B9994F6}"/>
               </a:ext>
             </a:extLst>
           </p:cNvPr>
@@ -8579,7 +8423,7 @@
           <p:cNvPr id="3" name="Connecteur droit 2">
             <a:extLst>
               <a:ext uri="{FF2B5EF4-FFF2-40B4-BE49-F238E27FC236}">
-                <a16:creationId xmlns:a16="http://schemas.microsoft.com/office/drawing/2014/main" id="{2E5FFC58-89E0-45F1-AB54-88B4500CE745}"/>
+                <a16:creationId xmlns:a16="http://schemas.microsoft.com/office/drawing/2014/main" xmlns="" id="{2E5FFC58-89E0-45F1-AB54-88B4500CE745}"/>
               </a:ext>
             </a:extLst>
           </p:cNvPr>
@@ -8622,7 +8466,7 @@
           <p:cNvPr id="7" name="Connecteur droit 6">
             <a:extLst>
               <a:ext uri="{FF2B5EF4-FFF2-40B4-BE49-F238E27FC236}">
-                <a16:creationId xmlns:a16="http://schemas.microsoft.com/office/drawing/2014/main" id="{6B0D6A19-00B4-479C-A250-CE50D3FEE044}"/>
+                <a16:creationId xmlns:a16="http://schemas.microsoft.com/office/drawing/2014/main" xmlns="" id="{6B0D6A19-00B4-479C-A250-CE50D3FEE044}"/>
               </a:ext>
             </a:extLst>
           </p:cNvPr>
@@ -8665,7 +8509,7 @@
           <p:cNvPr id="8" name="ZoneTexte 7">
             <a:extLst>
               <a:ext uri="{FF2B5EF4-FFF2-40B4-BE49-F238E27FC236}">
-                <a16:creationId xmlns:a16="http://schemas.microsoft.com/office/drawing/2014/main" id="{B1339F96-F5E8-4590-85C7-AA9285DFAC8C}"/>
+                <a16:creationId xmlns:a16="http://schemas.microsoft.com/office/drawing/2014/main" xmlns="" id="{B1339F96-F5E8-4590-85C7-AA9285DFAC8C}"/>
               </a:ext>
             </a:extLst>
           </p:cNvPr>

--- a/Cours/IFDC_0.pptx
+++ b/Cours/IFDC_0.pptx
@@ -216,7 +216,7 @@
           <a:p>
             <a:fld id="{4D4C40A0-6BBE-4DBE-B061-D31F9ACB94AF}" type="datetimeFigureOut">
               <a:rPr lang="fr-FR" smtClean="0"/>
-              <a:t>29/06/2021</a:t>
+              <a:t>30/06/2021</a:t>
             </a:fld>
             <a:endParaRPr lang="fr-FR"/>
           </a:p>
@@ -739,7 +739,7 @@
           <a:p>
             <a:fld id="{BE1F1DDC-4961-4DFF-8961-DF0A67287833}" type="datetimeFigureOut">
               <a:rPr lang="fr-FR" smtClean="0"/>
-              <a:t>29/06/2021</a:t>
+              <a:t>30/06/2021</a:t>
             </a:fld>
             <a:endParaRPr lang="fr-FR"/>
           </a:p>
@@ -937,7 +937,7 @@
           <a:p>
             <a:fld id="{BE1F1DDC-4961-4DFF-8961-DF0A67287833}" type="datetimeFigureOut">
               <a:rPr lang="fr-FR" smtClean="0"/>
-              <a:t>29/06/2021</a:t>
+              <a:t>30/06/2021</a:t>
             </a:fld>
             <a:endParaRPr lang="fr-FR"/>
           </a:p>
@@ -1145,7 +1145,7 @@
           <a:p>
             <a:fld id="{BE1F1DDC-4961-4DFF-8961-DF0A67287833}" type="datetimeFigureOut">
               <a:rPr lang="fr-FR" smtClean="0"/>
-              <a:t>29/06/2021</a:t>
+              <a:t>30/06/2021</a:t>
             </a:fld>
             <a:endParaRPr lang="fr-FR"/>
           </a:p>
@@ -1343,7 +1343,7 @@
           <a:p>
             <a:fld id="{BE1F1DDC-4961-4DFF-8961-DF0A67287833}" type="datetimeFigureOut">
               <a:rPr lang="fr-FR" smtClean="0"/>
-              <a:t>29/06/2021</a:t>
+              <a:t>30/06/2021</a:t>
             </a:fld>
             <a:endParaRPr lang="fr-FR"/>
           </a:p>
@@ -1618,7 +1618,7 @@
           <a:p>
             <a:fld id="{BE1F1DDC-4961-4DFF-8961-DF0A67287833}" type="datetimeFigureOut">
               <a:rPr lang="fr-FR" smtClean="0"/>
-              <a:t>29/06/2021</a:t>
+              <a:t>30/06/2021</a:t>
             </a:fld>
             <a:endParaRPr lang="fr-FR"/>
           </a:p>
@@ -1883,7 +1883,7 @@
           <a:p>
             <a:fld id="{BE1F1DDC-4961-4DFF-8961-DF0A67287833}" type="datetimeFigureOut">
               <a:rPr lang="fr-FR" smtClean="0"/>
-              <a:t>29/06/2021</a:t>
+              <a:t>30/06/2021</a:t>
             </a:fld>
             <a:endParaRPr lang="fr-FR"/>
           </a:p>
@@ -2295,7 +2295,7 @@
           <a:p>
             <a:fld id="{BE1F1DDC-4961-4DFF-8961-DF0A67287833}" type="datetimeFigureOut">
               <a:rPr lang="fr-FR" smtClean="0"/>
-              <a:t>29/06/2021</a:t>
+              <a:t>30/06/2021</a:t>
             </a:fld>
             <a:endParaRPr lang="fr-FR"/>
           </a:p>
@@ -2436,7 +2436,7 @@
           <a:p>
             <a:fld id="{BE1F1DDC-4961-4DFF-8961-DF0A67287833}" type="datetimeFigureOut">
               <a:rPr lang="fr-FR" smtClean="0"/>
-              <a:t>29/06/2021</a:t>
+              <a:t>30/06/2021</a:t>
             </a:fld>
             <a:endParaRPr lang="fr-FR"/>
           </a:p>
@@ -2549,7 +2549,7 @@
           <a:p>
             <a:fld id="{BE1F1DDC-4961-4DFF-8961-DF0A67287833}" type="datetimeFigureOut">
               <a:rPr lang="fr-FR" smtClean="0"/>
-              <a:t>29/06/2021</a:t>
+              <a:t>30/06/2021</a:t>
             </a:fld>
             <a:endParaRPr lang="fr-FR"/>
           </a:p>
@@ -2860,7 +2860,7 @@
           <a:p>
             <a:fld id="{BE1F1DDC-4961-4DFF-8961-DF0A67287833}" type="datetimeFigureOut">
               <a:rPr lang="fr-FR" smtClean="0"/>
-              <a:t>29/06/2021</a:t>
+              <a:t>30/06/2021</a:t>
             </a:fld>
             <a:endParaRPr lang="fr-FR"/>
           </a:p>
@@ -3148,7 +3148,7 @@
           <a:p>
             <a:fld id="{BE1F1DDC-4961-4DFF-8961-DF0A67287833}" type="datetimeFigureOut">
               <a:rPr lang="fr-FR" smtClean="0"/>
-              <a:t>29/06/2021</a:t>
+              <a:t>30/06/2021</a:t>
             </a:fld>
             <a:endParaRPr lang="fr-FR"/>
           </a:p>
@@ -3417,7 +3417,7 @@
           <a:p>
             <a:fld id="{BE1F1DDC-4961-4DFF-8961-DF0A67287833}" type="datetimeFigureOut">
               <a:rPr lang="fr-FR" smtClean="0"/>
-              <a:t>29/06/2021</a:t>
+              <a:t>30/06/2021</a:t>
             </a:fld>
             <a:endParaRPr lang="fr-FR"/>
           </a:p>
@@ -4061,7 +4061,11 @@
             </a:r>
             <a:r>
               <a:rPr lang="fr-FR" sz="4400" b="1" dirty="0" smtClean="0"/>
-              <a:t>Prise en main du logiciel R</a:t>
+              <a:t>Prise en main du logiciel </a:t>
+            </a:r>
+            <a:r>
+              <a:rPr lang="fr-FR" sz="4400" b="1" dirty="0" smtClean="0"/>
+              <a:t>Excel</a:t>
             </a:r>
             <a:endParaRPr lang="fr-SN" sz="4400" dirty="0"/>
           </a:p>
@@ -6266,12 +6270,24 @@
           <a:p>
             <a:pPr algn="just"/>
             <a:r>
+              <a:rPr lang="fr-FR" sz="4000" b="1" dirty="0" smtClean="0"/>
+              <a:t>III</a:t>
+            </a:r>
+            <a:r>
               <a:rPr lang="fr-FR" sz="2200" dirty="0" smtClean="0"/>
-              <a:t>III </a:t>
+              <a:t> </a:t>
             </a:r>
             <a:r>
               <a:rPr lang="fr-FR" sz="4000" b="1" dirty="0" smtClean="0"/>
-              <a:t>-     Ayez une vue globale sur votre classeur</a:t>
+              <a:t>-     </a:t>
+            </a:r>
+            <a:r>
+              <a:rPr lang="fr-FR" sz="4000" b="1" dirty="0" smtClean="0"/>
+              <a:t>Ayez une vue globale sur votre </a:t>
+            </a:r>
+            <a:r>
+              <a:rPr lang="fr-FR" sz="4000" b="1" dirty="0" smtClean="0"/>
+              <a:t>classeur</a:t>
             </a:r>
             <a:endParaRPr lang="fr-FR" sz="4000" b="1" dirty="0"/>
           </a:p>
@@ -7182,8 +7198,12 @@
           <a:p>
             <a:pPr algn="just"/>
             <a:r>
+              <a:rPr lang="fr-FR" sz="4000" b="1" dirty="0" smtClean="0"/>
+              <a:t>IV</a:t>
+            </a:r>
+            <a:r>
               <a:rPr lang="fr-FR" sz="2200" dirty="0" smtClean="0"/>
-              <a:t>IV </a:t>
+              <a:t> </a:t>
             </a:r>
             <a:r>
               <a:rPr lang="fr-FR" sz="4000" b="1" dirty="0" smtClean="0"/>
@@ -7889,7 +7909,7 @@
         </p:nvSpPr>
         <p:spPr>
           <a:xfrm>
-            <a:off x="420030" y="1291217"/>
+            <a:off x="420030" y="1317343"/>
             <a:ext cx="11489591" cy="1569660"/>
           </a:xfrm>
           <a:prstGeom prst="rect">
@@ -8214,15 +8234,7 @@
             <a:pPr algn="just"/>
             <a:r>
               <a:rPr lang="fr-FR" sz="2200" b="1" dirty="0" smtClean="0"/>
-              <a:t>VIII </a:t>
-            </a:r>
-            <a:r>
-              <a:rPr lang="fr-FR" sz="2200" b="1" dirty="0" smtClean="0"/>
-              <a:t>-     </a:t>
-            </a:r>
-            <a:r>
-              <a:rPr lang="fr-FR" sz="2200" b="1" dirty="0" smtClean="0"/>
-              <a:t>Macros et Visual Basic</a:t>
+              <a:t>VIII -     Macros et Visual Basic</a:t>
             </a:r>
             <a:endParaRPr lang="fr-FR" sz="2200" b="1" dirty="0"/>
           </a:p>
